--- a/Unity/Lesson4/Operation.pptx
+++ b/Unity/Lesson4/Operation.pptx
@@ -5,10 +5,10 @@
     <p:sldMasterId id="2147483673" r:id="rId1"/>
   </p:sldMasterIdLst>
   <p:notesMasterIdLst>
-    <p:notesMasterId r:id="rId15"/>
+    <p:notesMasterId r:id="rId19"/>
   </p:notesMasterIdLst>
   <p:handoutMasterIdLst>
-    <p:handoutMasterId r:id="rId16"/>
+    <p:handoutMasterId r:id="rId20"/>
   </p:handoutMasterIdLst>
   <p:sldIdLst>
     <p:sldId id="257" r:id="rId2"/>
@@ -23,7 +23,11 @@
     <p:sldId id="266" r:id="rId11"/>
     <p:sldId id="268" r:id="rId12"/>
     <p:sldId id="269" r:id="rId13"/>
-    <p:sldId id="316" r:id="rId14"/>
+    <p:sldId id="320" r:id="rId14"/>
+    <p:sldId id="316" r:id="rId15"/>
+    <p:sldId id="317" r:id="rId16"/>
+    <p:sldId id="321" r:id="rId17"/>
+    <p:sldId id="318" r:id="rId18"/>
   </p:sldIdLst>
   <p:sldSz cx="12192000" cy="6858000"/>
   <p:notesSz cx="6858000" cy="9144000"/>
@@ -217,7 +221,7 @@
             <a:pPr rtl="0"/>
             <a:fld id="{6B5C320A-F5C8-4FD6-86FF-35D2EBF085B6}" type="datetime1">
               <a:rPr lang="ru-RU" smtClean="0"/>
-              <a:t>27.09.2020</a:t>
+              <a:t>28.09.2020</a:t>
             </a:fld>
             <a:endParaRPr lang="en-US" dirty="0"/>
           </a:p>
@@ -387,7 +391,7 @@
             <a:pPr rtl="0"/>
             <a:fld id="{15C702C7-E599-40D9-B30E-0392896973B5}" type="datetime1">
               <a:rPr lang="ru-RU" smtClean="0"/>
-              <a:t>27.09.2020</a:t>
+              <a:t>28.09.2020</a:t>
             </a:fld>
             <a:endParaRPr lang="en-US"/>
           </a:p>
@@ -1132,7 +1136,7 @@
             <a:pPr rtl="0"/>
             <a:fld id="{6506E9A3-1561-45B7-908B-DACC52528ABB}" type="datetime1">
               <a:rPr lang="ru-RU" smtClean="0"/>
-              <a:t>27.09.2020</a:t>
+              <a:t>28.09.2020</a:t>
             </a:fld>
             <a:endParaRPr lang="en-US" dirty="0"/>
           </a:p>
@@ -1338,7 +1342,7 @@
             <a:pPr rtl="0"/>
             <a:fld id="{3E92B999-6CB2-48D4-8AF6-3D1A5D13436B}" type="datetime1">
               <a:rPr lang="ru-RU" smtClean="0"/>
-              <a:t>27.09.2020</a:t>
+              <a:t>28.09.2020</a:t>
             </a:fld>
             <a:endParaRPr lang="en-US"/>
           </a:p>
@@ -1522,7 +1526,7 @@
             <a:pPr rtl="0"/>
             <a:fld id="{B52C98DB-1092-48C4-AD4E-BD3E9D2E2345}" type="datetime1">
               <a:rPr lang="ru-RU" smtClean="0"/>
-              <a:t>27.09.2020</a:t>
+              <a:t>28.09.2020</a:t>
             </a:fld>
             <a:endParaRPr lang="en-US"/>
           </a:p>
@@ -1696,7 +1700,7 @@
             <a:pPr rtl="0"/>
             <a:fld id="{629C2F20-7994-4D1E-A01C-96ECBA4612EB}" type="datetime1">
               <a:rPr lang="ru-RU" smtClean="0"/>
-              <a:t>27.09.2020</a:t>
+              <a:t>28.09.2020</a:t>
             </a:fld>
             <a:endParaRPr lang="en-US"/>
           </a:p>
@@ -2299,7 +2303,7 @@
             <a:pPr rtl="0"/>
             <a:fld id="{7B2CE4EA-3B49-4A00-ADF3-7C7272A626C1}" type="datetime1">
               <a:rPr lang="ru-RU" smtClean="0"/>
-              <a:t>27.09.2020</a:t>
+              <a:t>28.09.2020</a:t>
             </a:fld>
             <a:endParaRPr lang="en-US" dirty="0"/>
           </a:p>
@@ -2623,7 +2627,7 @@
             <a:pPr rtl="0"/>
             <a:fld id="{9A16848F-27AD-43B9-904C-1CF05D24EB3C}" type="datetime1">
               <a:rPr lang="ru-RU" smtClean="0"/>
-              <a:t>27.09.2020</a:t>
+              <a:t>28.09.2020</a:t>
             </a:fld>
             <a:endParaRPr lang="en-US"/>
           </a:p>
@@ -3064,7 +3068,7 @@
             <a:pPr rtl="0"/>
             <a:fld id="{23090412-2DE5-405A-816E-F08FB54EB168}" type="datetime1">
               <a:rPr lang="ru-RU" smtClean="0"/>
-              <a:t>27.09.2020</a:t>
+              <a:t>28.09.2020</a:t>
             </a:fld>
             <a:endParaRPr lang="en-US"/>
           </a:p>
@@ -3186,7 +3190,7 @@
             <a:pPr rtl="0"/>
             <a:fld id="{F4C2D7CB-4DC1-4BB7-BF00-4C36160857E0}" type="datetime1">
               <a:rPr lang="ru-RU" smtClean="0"/>
-              <a:t>27.09.2020</a:t>
+              <a:t>28.09.2020</a:t>
             </a:fld>
             <a:endParaRPr lang="en-US"/>
           </a:p>
@@ -3284,7 +3288,7 @@
             <a:pPr rtl="0"/>
             <a:fld id="{4060D38F-E364-4ED4-9BF4-D7F00FFBE76A}" type="datetime1">
               <a:rPr lang="ru-RU" smtClean="0"/>
-              <a:t>27.09.2020</a:t>
+              <a:t>28.09.2020</a:t>
             </a:fld>
             <a:endParaRPr lang="en-US"/>
           </a:p>
@@ -3705,7 +3709,7 @@
             <a:pPr rtl="0"/>
             <a:fld id="{F183FEFD-AB08-4CB5-AE4D-2F6B12D8E3B0}" type="datetime1">
               <a:rPr lang="ru-RU" smtClean="0"/>
-              <a:t>27.09.2020</a:t>
+              <a:t>28.09.2020</a:t>
             </a:fld>
             <a:endParaRPr lang="en-US"/>
           </a:p>
@@ -3970,7 +3974,7 @@
             <a:pPr rtl="0"/>
             <a:fld id="{EBEA1583-5CEF-4E36-A7FC-D34B7E954D76}" type="datetime1">
               <a:rPr lang="ru-RU" smtClean="0"/>
-              <a:t>27.09.2020</a:t>
+              <a:t>28.09.2020</a:t>
             </a:fld>
             <a:endParaRPr lang="en-US" dirty="0"/>
           </a:p>
@@ -4490,7 +4494,7 @@
             <a:pPr rtl="0"/>
             <a:fld id="{1068A786-B8BF-4988-ACBA-DD9B5BC8D522}" type="datetime1">
               <a:rPr lang="ru-RU" smtClean="0"/>
-              <a:t>27.09.2020</a:t>
+              <a:t>28.09.2020</a:t>
             </a:fld>
             <a:endParaRPr lang="en-US" dirty="0"/>
           </a:p>
@@ -5778,7 +5782,7 @@
         </p:nvSpPr>
         <p:spPr>
           <a:xfrm>
-            <a:off x="2152560" y="297720"/>
+            <a:off x="1832964" y="297720"/>
             <a:ext cx="7882920" cy="759240"/>
           </a:xfrm>
           <a:prstGeom prst="rect">
@@ -5813,546 +5817,345 @@
               </a:lnSpc>
             </a:pPr>
             <a:r>
-              <a:rPr lang="ru-RU" sz="4000" b="1" spc="-1">
+              <a:rPr lang="ru-RU" sz="4000" b="1" spc="-1" dirty="0">
                 <a:solidFill>
                   <a:srgbClr val="203864"/>
                 </a:solidFill>
                 <a:latin typeface="Calibri"/>
-                <a:ea typeface="DejaVu Sans"/>
-              </a:rPr>
-              <a:t>Приоритет операций</a:t>
-            </a:r>
-            <a:endParaRPr lang="ru-RU" sz="4000" spc="-1">
+              </a:rPr>
+              <a:t>Условия</a:t>
+            </a:r>
+            <a:endParaRPr lang="ru-RU" sz="4000" spc="-1" dirty="0">
               <a:latin typeface="Arial"/>
             </a:endParaRPr>
           </a:p>
         </p:txBody>
       </p:sp>
-      <p:sp>
-        <p:nvSpPr>
-          <p:cNvPr id="135" name="CustomShape 2"/>
-          <p:cNvSpPr/>
+      <p:pic>
+        <p:nvPicPr>
+          <p:cNvPr id="13" name="Рисунок 12">
+            <a:extLst>
+              <a:ext uri="{FF2B5EF4-FFF2-40B4-BE49-F238E27FC236}">
+                <a16:creationId xmlns:a16="http://schemas.microsoft.com/office/drawing/2014/main" id="{92E9D4E5-6530-42F6-B4B1-3FFB56DA9643}"/>
+              </a:ext>
+            </a:extLst>
+          </p:cNvPr>
+          <p:cNvPicPr>
+            <a:picLocks noChangeAspect="1"/>
+          </p:cNvPicPr>
           <p:nvPr/>
-        </p:nvSpPr>
-        <p:spPr>
-          <a:xfrm>
-            <a:off x="2172000" y="1872000"/>
-            <a:ext cx="3095640" cy="719640"/>
+        </p:nvPicPr>
+        <p:blipFill>
+          <a:blip r:embed="rId2">
+            <a:extLst>
+              <a:ext uri="{28A0092B-C50C-407E-A947-70E740481C1C}">
+                <a14:useLocalDpi xmlns:a14="http://schemas.microsoft.com/office/drawing/2010/main" val="0"/>
+              </a:ext>
+            </a:extLst>
+          </a:blip>
+          <a:stretch>
+            <a:fillRect/>
+          </a:stretch>
+        </p:blipFill>
+        <p:spPr>
+          <a:xfrm>
+            <a:off x="4767041" y="1056960"/>
+            <a:ext cx="2228281" cy="1740559"/>
           </a:xfrm>
           <a:prstGeom prst="rect">
             <a:avLst/>
           </a:prstGeom>
-          <a:solidFill>
-            <a:srgbClr val="729FCF"/>
-          </a:solidFill>
-          <a:ln>
-            <a:solidFill>
-              <a:srgbClr val="3465A4"/>
-            </a:solidFill>
-          </a:ln>
-        </p:spPr>
-        <p:style>
-          <a:lnRef idx="0">
-            <a:scrgbClr r="0" g="0" b="0"/>
-          </a:lnRef>
-          <a:fillRef idx="0">
-            <a:scrgbClr r="0" g="0" b="0"/>
-          </a:fillRef>
-          <a:effectRef idx="0">
-            <a:scrgbClr r="0" g="0" b="0"/>
-          </a:effectRef>
-          <a:fontRef idx="minor"/>
-        </p:style>
-        <p:txBody>
-          <a:bodyPr wrap="none" lIns="90000" tIns="45000" rIns="90000" bIns="45000" anchor="ctr">
-            <a:noAutofit/>
-          </a:bodyPr>
-          <a:lstStyle/>
-          <a:p>
-            <a:pPr algn="ctr">
-              <a:lnSpc>
-                <a:spcPct val="100000"/>
-              </a:lnSpc>
-            </a:pPr>
-            <a:r>
-              <a:rPr lang="ru-RU" sz="2200" spc="-1">
-                <a:solidFill>
-                  <a:srgbClr val="000000"/>
-                </a:solidFill>
-                <a:latin typeface="Calibri"/>
-                <a:ea typeface="DejaVu Sans"/>
-              </a:rPr>
-              <a:t>Неравенство 1 ≤ x ≤ 6</a:t>
-            </a:r>
-            <a:endParaRPr lang="ru-RU" sz="2200" spc="-1">
-              <a:latin typeface="Arial"/>
-            </a:endParaRPr>
-          </a:p>
-        </p:txBody>
-      </p:sp>
-      <p:sp>
-        <p:nvSpPr>
-          <p:cNvPr id="136" name="CustomShape 3"/>
-          <p:cNvSpPr/>
+        </p:spPr>
+      </p:pic>
+      <p:pic>
+        <p:nvPicPr>
+          <p:cNvPr id="14" name="Рисунок 13">
+            <a:extLst>
+              <a:ext uri="{FF2B5EF4-FFF2-40B4-BE49-F238E27FC236}">
+                <a16:creationId xmlns:a16="http://schemas.microsoft.com/office/drawing/2014/main" id="{624CD480-2F4E-4C5C-8CDD-67E89899E2DF}"/>
+              </a:ext>
+            </a:extLst>
+          </p:cNvPr>
+          <p:cNvPicPr>
+            <a:picLocks noChangeAspect="1"/>
+          </p:cNvPicPr>
           <p:nvPr/>
-        </p:nvSpPr>
-        <p:spPr>
-          <a:xfrm>
-            <a:off x="6636000" y="1872000"/>
-            <a:ext cx="2951640" cy="719640"/>
+        </p:nvPicPr>
+        <p:blipFill>
+          <a:blip r:embed="rId3">
+            <a:extLst>
+              <a:ext uri="{28A0092B-C50C-407E-A947-70E740481C1C}">
+                <a14:useLocalDpi xmlns:a14="http://schemas.microsoft.com/office/drawing/2010/main" val="0"/>
+              </a:ext>
+            </a:extLst>
+          </a:blip>
+          <a:stretch>
+            <a:fillRect/>
+          </a:stretch>
+        </p:blipFill>
+        <p:spPr>
+          <a:xfrm>
+            <a:off x="2219590" y="3147005"/>
+            <a:ext cx="1114425" cy="1524000"/>
           </a:xfrm>
           <a:prstGeom prst="rect">
             <a:avLst/>
           </a:prstGeom>
-          <a:solidFill>
-            <a:srgbClr val="729FCF"/>
-          </a:solidFill>
-          <a:ln>
-            <a:solidFill>
-              <a:srgbClr val="3465A4"/>
-            </a:solidFill>
-          </a:ln>
-        </p:spPr>
-        <p:style>
-          <a:lnRef idx="0">
-            <a:scrgbClr r="0" g="0" b="0"/>
-          </a:lnRef>
-          <a:fillRef idx="0">
-            <a:scrgbClr r="0" g="0" b="0"/>
-          </a:fillRef>
-          <a:effectRef idx="0">
-            <a:scrgbClr r="0" g="0" b="0"/>
-          </a:effectRef>
-          <a:fontRef idx="minor"/>
-        </p:style>
-        <p:txBody>
-          <a:bodyPr wrap="none" lIns="90000" tIns="45000" rIns="90000" bIns="45000" anchor="ctr">
-            <a:noAutofit/>
-          </a:bodyPr>
-          <a:lstStyle/>
-          <a:p>
-            <a:pPr algn="ctr">
-              <a:lnSpc>
-                <a:spcPct val="100000"/>
-              </a:lnSpc>
-            </a:pPr>
-            <a:r>
-              <a:rPr lang="ru-RU" sz="2200" spc="-1">
-                <a:solidFill>
-                  <a:srgbClr val="000000"/>
-                </a:solidFill>
-                <a:latin typeface="Calibri"/>
-                <a:ea typeface="DejaVu Sans"/>
-              </a:rPr>
-              <a:t>1 &lt; x &amp;&amp; x &lt; 6</a:t>
-            </a:r>
-            <a:endParaRPr lang="ru-RU" sz="2200" spc="-1">
-              <a:latin typeface="Arial"/>
-            </a:endParaRPr>
-          </a:p>
-        </p:txBody>
-      </p:sp>
-      <p:sp>
-        <p:nvSpPr>
-          <p:cNvPr id="137" name="CustomShape 4"/>
-          <p:cNvSpPr/>
+        </p:spPr>
+      </p:pic>
+      <p:pic>
+        <p:nvPicPr>
+          <p:cNvPr id="3" name="Рисунок 2">
+            <a:extLst>
+              <a:ext uri="{FF2B5EF4-FFF2-40B4-BE49-F238E27FC236}">
+                <a16:creationId xmlns:a16="http://schemas.microsoft.com/office/drawing/2014/main" id="{508B1DFE-188D-4B97-A859-729C1EDDCA17}"/>
+              </a:ext>
+            </a:extLst>
+          </p:cNvPr>
+          <p:cNvPicPr>
+            <a:picLocks noChangeAspect="1"/>
+          </p:cNvPicPr>
           <p:nvPr/>
-        </p:nvSpPr>
-        <p:spPr>
-          <a:xfrm>
-            <a:off x="4260000" y="3672000"/>
-            <a:ext cx="3815640" cy="719640"/>
+        </p:nvPicPr>
+        <p:blipFill>
+          <a:blip r:embed="rId4">
+            <a:extLst>
+              <a:ext uri="{28A0092B-C50C-407E-A947-70E740481C1C}">
+                <a14:useLocalDpi xmlns:a14="http://schemas.microsoft.com/office/drawing/2010/main" val="0"/>
+              </a:ext>
+            </a:extLst>
+          </a:blip>
+          <a:stretch>
+            <a:fillRect/>
+          </a:stretch>
+        </p:blipFill>
+        <p:spPr>
+          <a:xfrm>
+            <a:off x="8367480" y="3323842"/>
+            <a:ext cx="2414727" cy="1347163"/>
           </a:xfrm>
           <a:prstGeom prst="rect">
             <a:avLst/>
           </a:prstGeom>
-          <a:solidFill>
-            <a:srgbClr val="729FCF"/>
-          </a:solidFill>
-          <a:ln>
-            <a:solidFill>
-              <a:srgbClr val="3465A4"/>
-            </a:solidFill>
-          </a:ln>
-        </p:spPr>
-        <p:style>
-          <a:lnRef idx="0">
-            <a:scrgbClr r="0" g="0" b="0"/>
-          </a:lnRef>
-          <a:fillRef idx="0">
-            <a:scrgbClr r="0" g="0" b="0"/>
-          </a:fillRef>
-          <a:effectRef idx="0">
-            <a:scrgbClr r="0" g="0" b="0"/>
-          </a:effectRef>
-          <a:fontRef idx="minor"/>
-        </p:style>
-        <p:txBody>
-          <a:bodyPr wrap="none" lIns="90000" tIns="45000" rIns="90000" bIns="45000" anchor="ctr">
-            <a:noAutofit/>
-          </a:bodyPr>
-          <a:lstStyle/>
-          <a:p>
-            <a:pPr algn="ctr">
-              <a:lnSpc>
-                <a:spcPct val="100000"/>
-              </a:lnSpc>
-            </a:pPr>
-            <a:r>
-              <a:rPr lang="ru-RU" sz="2200" spc="-1">
-                <a:solidFill>
-                  <a:srgbClr val="000000"/>
-                </a:solidFill>
-                <a:latin typeface="Calibri"/>
-                <a:ea typeface="DejaVu Sans"/>
-              </a:rPr>
-              <a:t>value1 || value2 &amp;&amp; value3</a:t>
-            </a:r>
-            <a:endParaRPr lang="ru-RU" sz="2200" spc="-1">
-              <a:latin typeface="Arial"/>
-            </a:endParaRPr>
-          </a:p>
-        </p:txBody>
-      </p:sp>
-      <p:sp>
-        <p:nvSpPr>
-          <p:cNvPr id="138" name="Line 5"/>
-          <p:cNvSpPr/>
+        </p:spPr>
+      </p:pic>
+      <p:cxnSp>
+        <p:nvCxnSpPr>
+          <p:cNvPr id="5" name="Прямая со стрелкой 4">
+            <a:extLst>
+              <a:ext uri="{FF2B5EF4-FFF2-40B4-BE49-F238E27FC236}">
+                <a16:creationId xmlns:a16="http://schemas.microsoft.com/office/drawing/2014/main" id="{03A81DDD-E715-4B9E-8B66-ABD6B7BFD9FC}"/>
+              </a:ext>
+            </a:extLst>
+          </p:cNvPr>
+          <p:cNvCxnSpPr/>
           <p:nvPr/>
-        </p:nvSpPr>
-        <p:spPr>
-          <a:xfrm>
-            <a:off x="5268000" y="2160000"/>
-            <a:ext cx="1368000" cy="0"/>
-          </a:xfrm>
-          <a:prstGeom prst="line">
+        </p:nvCxnSpPr>
+        <p:spPr>
+          <a:xfrm flipH="1">
+            <a:off x="3622089" y="2707689"/>
+            <a:ext cx="1349406" cy="1029810"/>
+          </a:xfrm>
+          <a:prstGeom prst="straightConnector1">
             <a:avLst/>
           </a:prstGeom>
           <a:ln>
-            <a:solidFill>
-              <a:srgbClr val="3465A4"/>
-            </a:solidFill>
-            <a:tailEnd type="triangle" w="med" len="med"/>
+            <a:tailEnd type="triangle"/>
           </a:ln>
         </p:spPr>
         <p:style>
-          <a:lnRef idx="0">
-            <a:scrgbClr r="0" g="0" b="0"/>
+          <a:lnRef idx="3">
+            <a:schemeClr val="dk1"/>
           </a:lnRef>
           <a:fillRef idx="0">
-            <a:scrgbClr r="0" g="0" b="0"/>
+            <a:schemeClr val="dk1"/>
           </a:fillRef>
-          <a:effectRef idx="0">
-            <a:scrgbClr r="0" g="0" b="0"/>
+          <a:effectRef idx="2">
+            <a:schemeClr val="dk1"/>
           </a:effectRef>
-          <a:fontRef idx="minor"/>
+          <a:fontRef idx="minor">
+            <a:schemeClr val="tx1"/>
+          </a:fontRef>
         </p:style>
-      </p:sp>
-      <p:sp>
-        <p:nvSpPr>
-          <p:cNvPr id="139" name="CustomShape 6"/>
-          <p:cNvSpPr/>
+      </p:cxnSp>
+      <p:cxnSp>
+        <p:nvCxnSpPr>
+          <p:cNvPr id="19" name="Прямая со стрелкой 18">
+            <a:extLst>
+              <a:ext uri="{FF2B5EF4-FFF2-40B4-BE49-F238E27FC236}">
+                <a16:creationId xmlns:a16="http://schemas.microsoft.com/office/drawing/2014/main" id="{66F609AB-17D2-4782-BACA-3A56351F2E55}"/>
+              </a:ext>
+            </a:extLst>
+          </p:cNvPr>
+          <p:cNvCxnSpPr>
+            <a:cxnSpLocks/>
+          </p:cNvCxnSpPr>
           <p:nvPr/>
-        </p:nvSpPr>
-        <p:spPr>
-          <a:xfrm>
-            <a:off x="1956000" y="4968000"/>
-            <a:ext cx="3527640" cy="719640"/>
-          </a:xfrm>
-          <a:prstGeom prst="rect">
-            <a:avLst/>
-          </a:prstGeom>
-          <a:solidFill>
-            <a:srgbClr val="7BCF72"/>
-          </a:solidFill>
-          <a:ln>
-            <a:solidFill>
-              <a:srgbClr val="3465A4"/>
-            </a:solidFill>
-          </a:ln>
-        </p:spPr>
-        <p:style>
-          <a:lnRef idx="0">
-            <a:scrgbClr r="0" g="0" b="0"/>
-          </a:lnRef>
-          <a:fillRef idx="0">
-            <a:scrgbClr r="0" g="0" b="0"/>
-          </a:fillRef>
-          <a:effectRef idx="0">
-            <a:scrgbClr r="0" g="0" b="0"/>
-          </a:effectRef>
-          <a:fontRef idx="minor"/>
-        </p:style>
-        <p:txBody>
-          <a:bodyPr wrap="none" lIns="90000" tIns="45000" rIns="90000" bIns="45000" anchor="ctr">
-            <a:noAutofit/>
-          </a:bodyPr>
-          <a:lstStyle/>
-          <a:p>
-            <a:pPr algn="just">
-              <a:lnSpc>
-                <a:spcPct val="100000"/>
-              </a:lnSpc>
-            </a:pPr>
-            <a:r>
-              <a:rPr lang="ru-RU" sz="2200" spc="-1">
-                <a:solidFill>
-                  <a:srgbClr val="000000"/>
-                </a:solidFill>
-                <a:latin typeface="Calibri"/>
-                <a:ea typeface="Liberation Mono;Courier New"/>
-              </a:rPr>
-              <a:t>value1 || (value2 &amp;&amp; value3)</a:t>
-            </a:r>
-            <a:endParaRPr lang="ru-RU" sz="2200" spc="-1">
-              <a:latin typeface="Arial"/>
-            </a:endParaRPr>
-          </a:p>
-        </p:txBody>
-      </p:sp>
-      <p:sp>
-        <p:nvSpPr>
-          <p:cNvPr id="140" name="CustomShape 7"/>
-          <p:cNvSpPr/>
-          <p:nvPr/>
-        </p:nvSpPr>
-        <p:spPr>
-          <a:xfrm>
-            <a:off x="6564000" y="4968000"/>
-            <a:ext cx="3527640" cy="719640"/>
-          </a:xfrm>
-          <a:prstGeom prst="rect">
-            <a:avLst/>
-          </a:prstGeom>
-          <a:solidFill>
-            <a:srgbClr val="FE7180"/>
-          </a:solidFill>
-          <a:ln>
-            <a:solidFill>
-              <a:srgbClr val="3465A4"/>
-            </a:solidFill>
-          </a:ln>
-        </p:spPr>
-        <p:style>
-          <a:lnRef idx="0">
-            <a:scrgbClr r="0" g="0" b="0"/>
-          </a:lnRef>
-          <a:fillRef idx="0">
-            <a:scrgbClr r="0" g="0" b="0"/>
-          </a:fillRef>
-          <a:effectRef idx="0">
-            <a:scrgbClr r="0" g="0" b="0"/>
-          </a:effectRef>
-          <a:fontRef idx="minor"/>
-        </p:style>
-        <p:txBody>
-          <a:bodyPr wrap="none" lIns="90000" tIns="45000" rIns="90000" bIns="45000" anchor="ctr">
-            <a:noAutofit/>
-          </a:bodyPr>
-          <a:lstStyle/>
-          <a:p>
-            <a:pPr algn="just">
-              <a:lnSpc>
-                <a:spcPct val="100000"/>
-              </a:lnSpc>
-            </a:pPr>
-            <a:r>
-              <a:rPr lang="ru-RU" sz="2200" spc="-1">
-                <a:solidFill>
-                  <a:srgbClr val="000000"/>
-                </a:solidFill>
-                <a:latin typeface="Calibri"/>
-                <a:ea typeface="Liberation Mono;Courier New"/>
-              </a:rPr>
-              <a:t>(value1 || value2) &amp;&amp; value3</a:t>
-            </a:r>
-            <a:endParaRPr lang="ru-RU" sz="2200" spc="-1">
-              <a:latin typeface="Arial"/>
-            </a:endParaRPr>
-          </a:p>
-        </p:txBody>
-      </p:sp>
-      <p:sp>
-        <p:nvSpPr>
-          <p:cNvPr id="141" name="Line 8"/>
-          <p:cNvSpPr/>
-          <p:nvPr/>
-        </p:nvSpPr>
-        <p:spPr>
-          <a:xfrm flipH="1">
-            <a:off x="4548000" y="4392000"/>
-            <a:ext cx="432000" cy="576000"/>
-          </a:xfrm>
-          <a:prstGeom prst="line">
+        </p:nvCxnSpPr>
+        <p:spPr>
+          <a:xfrm>
+            <a:off x="6580607" y="2707689"/>
+            <a:ext cx="1559667" cy="1029810"/>
+          </a:xfrm>
+          <a:prstGeom prst="straightConnector1">
             <a:avLst/>
           </a:prstGeom>
           <a:ln>
-            <a:solidFill>
-              <a:srgbClr val="3465A4"/>
-            </a:solidFill>
-            <a:tailEnd type="triangle" w="med" len="med"/>
+            <a:tailEnd type="triangle"/>
           </a:ln>
         </p:spPr>
         <p:style>
-          <a:lnRef idx="0">
-            <a:scrgbClr r="0" g="0" b="0"/>
+          <a:lnRef idx="3">
+            <a:schemeClr val="dk1"/>
           </a:lnRef>
           <a:fillRef idx="0">
-            <a:scrgbClr r="0" g="0" b="0"/>
+            <a:schemeClr val="dk1"/>
           </a:fillRef>
-          <a:effectRef idx="0">
-            <a:scrgbClr r="0" g="0" b="0"/>
+          <a:effectRef idx="2">
+            <a:schemeClr val="dk1"/>
           </a:effectRef>
-          <a:fontRef idx="minor"/>
+          <a:fontRef idx="minor">
+            <a:schemeClr val="tx1"/>
+          </a:fontRef>
         </p:style>
-      </p:sp>
-      <p:sp>
-        <p:nvSpPr>
-          <p:cNvPr id="142" name="Line 9"/>
-          <p:cNvSpPr/>
+      </p:cxnSp>
+      <p:sp>
+        <p:nvSpPr>
+          <p:cNvPr id="8" name="TextBox 7">
+            <a:extLst>
+              <a:ext uri="{FF2B5EF4-FFF2-40B4-BE49-F238E27FC236}">
+                <a16:creationId xmlns:a16="http://schemas.microsoft.com/office/drawing/2014/main" id="{A2A45861-F42A-4815-BEDE-1F6A73E0BC17}"/>
+              </a:ext>
+            </a:extLst>
+          </p:cNvPr>
+          <p:cNvSpPr txBox="1"/>
           <p:nvPr/>
         </p:nvSpPr>
         <p:spPr>
           <a:xfrm>
-            <a:off x="7140000" y="4392000"/>
-            <a:ext cx="504000" cy="576000"/>
-          </a:xfrm>
-          <a:prstGeom prst="line">
-            <a:avLst/>
-          </a:prstGeom>
-          <a:ln>
-            <a:solidFill>
-              <a:srgbClr val="3465A4"/>
-            </a:solidFill>
-            <a:tailEnd type="triangle" w="med" len="med"/>
-          </a:ln>
-        </p:spPr>
-        <p:style>
-          <a:lnRef idx="0">
-            <a:scrgbClr r="0" g="0" b="0"/>
-          </a:lnRef>
-          <a:fillRef idx="0">
-            <a:scrgbClr r="0" g="0" b="0"/>
-          </a:fillRef>
-          <a:effectRef idx="0">
-            <a:scrgbClr r="0" g="0" b="0"/>
-          </a:effectRef>
-          <a:fontRef idx="minor"/>
-        </p:style>
-      </p:sp>
-      <p:sp>
-        <p:nvSpPr>
-          <p:cNvPr id="143" name="CustomShape 10"/>
-          <p:cNvSpPr/>
-          <p:nvPr/>
-        </p:nvSpPr>
-        <p:spPr>
-          <a:xfrm>
-            <a:off x="3092880" y="5895360"/>
-            <a:ext cx="1814760" cy="368280"/>
+            <a:off x="985236" y="2058314"/>
+            <a:ext cx="3781805" cy="369332"/>
           </a:xfrm>
           <a:prstGeom prst="rect">
             <a:avLst/>
           </a:prstGeom>
           <a:noFill/>
-          <a:ln>
-            <a:noFill/>
-          </a:ln>
-        </p:spPr>
-        <p:style>
-          <a:lnRef idx="0">
-            <a:scrgbClr r="0" g="0" b="0"/>
-          </a:lnRef>
-          <a:fillRef idx="0">
-            <a:scrgbClr r="0" g="0" b="0"/>
-          </a:fillRef>
-          <a:effectRef idx="0">
-            <a:scrgbClr r="0" g="0" b="0"/>
-          </a:effectRef>
-          <a:fontRef idx="minor"/>
-        </p:style>
-        <p:txBody>
-          <a:bodyPr lIns="90000" tIns="45000" rIns="90000" bIns="45000">
-            <a:noAutofit/>
+        </p:spPr>
+        <p:txBody>
+          <a:bodyPr wrap="none" rtlCol="0">
+            <a:spAutoFit/>
           </a:bodyPr>
           <a:lstStyle/>
           <a:p>
-            <a:pPr>
-              <a:lnSpc>
-                <a:spcPct val="100000"/>
-              </a:lnSpc>
-            </a:pPr>
-            <a:r>
-              <a:rPr lang="ru-RU" sz="2200" spc="-1">
-                <a:solidFill>
-                  <a:srgbClr val="000000"/>
-                </a:solidFill>
-                <a:latin typeface="Calibri"/>
-                <a:ea typeface="DejaVu Sans"/>
-              </a:rPr>
-              <a:t>ВЕРНО</a:t>
-            </a:r>
-            <a:endParaRPr lang="ru-RU" sz="2200" spc="-1">
-              <a:latin typeface="Arial"/>
-            </a:endParaRPr>
-          </a:p>
-        </p:txBody>
-      </p:sp>
-      <p:sp>
-        <p:nvSpPr>
-          <p:cNvPr id="144" name="CustomShape 11"/>
-          <p:cNvSpPr/>
+            <a:r>
+              <a:rPr lang="ru-RU" dirty="0"/>
+              <a:t>Если столкновение с кактусом</a:t>
+            </a:r>
+          </a:p>
+        </p:txBody>
+      </p:sp>
+      <p:sp>
+        <p:nvSpPr>
+          <p:cNvPr id="23" name="TextBox 22">
+            <a:extLst>
+              <a:ext uri="{FF2B5EF4-FFF2-40B4-BE49-F238E27FC236}">
+                <a16:creationId xmlns:a16="http://schemas.microsoft.com/office/drawing/2014/main" id="{86F698C4-57E5-473A-9B59-11E4550A4AC1}"/>
+              </a:ext>
+            </a:extLst>
+          </p:cNvPr>
+          <p:cNvSpPr txBox="1"/>
           <p:nvPr/>
         </p:nvSpPr>
         <p:spPr>
           <a:xfrm>
-            <a:off x="7644000" y="5904000"/>
-            <a:ext cx="1814760" cy="368280"/>
+            <a:off x="7272106" y="2058314"/>
+            <a:ext cx="3647152" cy="369332"/>
           </a:xfrm>
           <a:prstGeom prst="rect">
             <a:avLst/>
           </a:prstGeom>
           <a:noFill/>
-          <a:ln>
-            <a:noFill/>
-          </a:ln>
-        </p:spPr>
-        <p:style>
-          <a:lnRef idx="0">
-            <a:scrgbClr r="0" g="0" b="0"/>
-          </a:lnRef>
-          <a:fillRef idx="0">
-            <a:scrgbClr r="0" g="0" b="0"/>
-          </a:fillRef>
-          <a:effectRef idx="0">
-            <a:scrgbClr r="0" g="0" b="0"/>
-          </a:effectRef>
-          <a:fontRef idx="minor"/>
-        </p:style>
-        <p:txBody>
-          <a:bodyPr lIns="90000" tIns="45000" rIns="90000" bIns="45000">
-            <a:noAutofit/>
+        </p:spPr>
+        <p:txBody>
+          <a:bodyPr wrap="none" rtlCol="0">
+            <a:spAutoFit/>
           </a:bodyPr>
           <a:lstStyle/>
           <a:p>
-            <a:pPr>
-              <a:lnSpc>
-                <a:spcPct val="100000"/>
-              </a:lnSpc>
-            </a:pPr>
-            <a:r>
-              <a:rPr lang="ru-RU" sz="2200" spc="-1">
-                <a:solidFill>
-                  <a:srgbClr val="000000"/>
-                </a:solidFill>
-                <a:latin typeface="Calibri"/>
-                <a:ea typeface="DejaVu Sans"/>
-              </a:rPr>
-              <a:t>НЕВЕРНО</a:t>
-            </a:r>
-            <a:endParaRPr lang="ru-RU" sz="2200" spc="-1">
-              <a:latin typeface="Arial"/>
-            </a:endParaRPr>
+            <a:r>
+              <a:rPr lang="ru-RU" dirty="0"/>
+              <a:t>Если столкновение с камнем</a:t>
+            </a:r>
+          </a:p>
+        </p:txBody>
+      </p:sp>
+      <p:sp>
+        <p:nvSpPr>
+          <p:cNvPr id="10" name="TextBox 9">
+            <a:extLst>
+              <a:ext uri="{FF2B5EF4-FFF2-40B4-BE49-F238E27FC236}">
+                <a16:creationId xmlns:a16="http://schemas.microsoft.com/office/drawing/2014/main" id="{90165C17-0957-41CF-B3CF-0293CD01C3C9}"/>
+              </a:ext>
+            </a:extLst>
+          </p:cNvPr>
+          <p:cNvSpPr txBox="1"/>
+          <p:nvPr/>
+        </p:nvSpPr>
+        <p:spPr>
+          <a:xfrm>
+            <a:off x="1832964" y="5021032"/>
+            <a:ext cx="2791149" cy="369332"/>
+          </a:xfrm>
+          <a:prstGeom prst="rect">
+            <a:avLst/>
+          </a:prstGeom>
+          <a:noFill/>
+        </p:spPr>
+        <p:txBody>
+          <a:bodyPr wrap="none" rtlCol="0">
+            <a:spAutoFit/>
+          </a:bodyPr>
+          <a:lstStyle/>
+          <a:p>
+            <a:r>
+              <a:rPr lang="ru-RU" dirty="0"/>
+              <a:t>Уменьшаем здоровье</a:t>
+            </a:r>
+          </a:p>
+        </p:txBody>
+      </p:sp>
+      <p:sp>
+        <p:nvSpPr>
+          <p:cNvPr id="26" name="TextBox 25">
+            <a:extLst>
+              <a:ext uri="{FF2B5EF4-FFF2-40B4-BE49-F238E27FC236}">
+                <a16:creationId xmlns:a16="http://schemas.microsoft.com/office/drawing/2014/main" id="{144AAB48-3B18-4538-9254-BEB424F81EF8}"/>
+              </a:ext>
+            </a:extLst>
+          </p:cNvPr>
+          <p:cNvSpPr txBox="1"/>
+          <p:nvPr/>
+        </p:nvSpPr>
+        <p:spPr>
+          <a:xfrm>
+            <a:off x="8831667" y="5021032"/>
+            <a:ext cx="2028119" cy="369332"/>
+          </a:xfrm>
+          <a:prstGeom prst="rect">
+            <a:avLst/>
+          </a:prstGeom>
+          <a:noFill/>
+        </p:spPr>
+        <p:txBody>
+          <a:bodyPr wrap="none" rtlCol="0">
+            <a:spAutoFit/>
+          </a:bodyPr>
+          <a:lstStyle/>
+          <a:p>
+            <a:r>
+              <a:rPr lang="ru-RU" dirty="0"/>
+              <a:t>Игра закончена</a:t>
+            </a:r>
           </a:p>
         </p:txBody>
       </p:sp>
@@ -6389,7 +6192,7 @@
         </p:nvSpPr>
         <p:spPr>
           <a:xfrm>
-            <a:off x="2152560" y="297720"/>
+            <a:off x="1832964" y="297720"/>
             <a:ext cx="7882920" cy="759240"/>
           </a:xfrm>
           <a:prstGeom prst="rect">
@@ -6424,16 +6227,15 @@
               </a:lnSpc>
             </a:pPr>
             <a:r>
-              <a:rPr lang="ru-RU" sz="4000" b="1" spc="-1">
+              <a:rPr lang="ru-RU" sz="4000" b="1" spc="-1" dirty="0">
                 <a:solidFill>
                   <a:srgbClr val="203864"/>
                 </a:solidFill>
                 <a:latin typeface="Calibri"/>
-                <a:ea typeface="DejaVu Sans"/>
-              </a:rPr>
-              <a:t>Приоритет операций</a:t>
-            </a:r>
-            <a:endParaRPr lang="ru-RU" sz="4000" spc="-1">
+              </a:rPr>
+              <a:t>Условия</a:t>
+            </a:r>
+            <a:endParaRPr lang="ru-RU" sz="4000" spc="-1" dirty="0">
               <a:latin typeface="Arial"/>
             </a:endParaRPr>
           </a:p>
@@ -6441,426 +6243,165 @@
       </p:sp>
       <p:sp>
         <p:nvSpPr>
-          <p:cNvPr id="135" name="CustomShape 2"/>
-          <p:cNvSpPr/>
+          <p:cNvPr id="6" name="TextBox 5">
+            <a:extLst>
+              <a:ext uri="{FF2B5EF4-FFF2-40B4-BE49-F238E27FC236}">
+                <a16:creationId xmlns:a16="http://schemas.microsoft.com/office/drawing/2014/main" id="{0DB90ADC-AF4A-4C49-87E6-AED4DAC43852}"/>
+              </a:ext>
+            </a:extLst>
+          </p:cNvPr>
+          <p:cNvSpPr txBox="1"/>
           <p:nvPr/>
         </p:nvSpPr>
         <p:spPr>
           <a:xfrm>
-            <a:off x="2172000" y="1872000"/>
-            <a:ext cx="3095640" cy="719640"/>
+            <a:off x="1949564" y="1720963"/>
+            <a:ext cx="8661345" cy="2677656"/>
           </a:xfrm>
           <a:prstGeom prst="rect">
             <a:avLst/>
           </a:prstGeom>
-          <a:solidFill>
-            <a:srgbClr val="729FCF"/>
-          </a:solidFill>
-          <a:ln>
-            <a:solidFill>
-              <a:srgbClr val="3465A4"/>
-            </a:solidFill>
-          </a:ln>
-        </p:spPr>
-        <p:style>
-          <a:lnRef idx="0">
-            <a:scrgbClr r="0" g="0" b="0"/>
-          </a:lnRef>
-          <a:fillRef idx="0">
-            <a:scrgbClr r="0" g="0" b="0"/>
-          </a:fillRef>
-          <a:effectRef idx="0">
-            <a:scrgbClr r="0" g="0" b="0"/>
-          </a:effectRef>
-          <a:fontRef idx="minor"/>
-        </p:style>
-        <p:txBody>
-          <a:bodyPr wrap="none" lIns="90000" tIns="45000" rIns="90000" bIns="45000" anchor="ctr">
-            <a:noAutofit/>
+          <a:noFill/>
+        </p:spPr>
+        <p:txBody>
+          <a:bodyPr wrap="none" rtlCol="0">
+            <a:spAutoFit/>
           </a:bodyPr>
           <a:lstStyle/>
           <a:p>
-            <a:pPr algn="ctr">
-              <a:lnSpc>
-                <a:spcPct val="100000"/>
-              </a:lnSpc>
-            </a:pPr>
-            <a:r>
-              <a:rPr lang="ru-RU" sz="2200" spc="-1">
-                <a:solidFill>
-                  <a:srgbClr val="000000"/>
-                </a:solidFill>
-                <a:latin typeface="Calibri"/>
-                <a:ea typeface="DejaVu Sans"/>
-              </a:rPr>
-              <a:t>Неравенство 1 ≤ x ≤ 6</a:t>
-            </a:r>
-            <a:endParaRPr lang="ru-RU" sz="2200" spc="-1">
-              <a:latin typeface="Arial"/>
-            </a:endParaRPr>
-          </a:p>
-        </p:txBody>
-      </p:sp>
-      <p:sp>
-        <p:nvSpPr>
-          <p:cNvPr id="136" name="CustomShape 3"/>
+            <a:r>
+              <a:rPr lang="en-US" sz="2800" dirty="0"/>
+              <a:t>if(</a:t>
+            </a:r>
+            <a:r>
+              <a:rPr lang="en-US" sz="2800" dirty="0" err="1">
+                <a:solidFill>
+                  <a:srgbClr val="00B0F0"/>
+                </a:solidFill>
+              </a:rPr>
+              <a:t>collision.gameObject.CompareTag</a:t>
+            </a:r>
+            <a:r>
+              <a:rPr lang="en-US" sz="2800" dirty="0">
+                <a:solidFill>
+                  <a:srgbClr val="00B0F0"/>
+                </a:solidFill>
+              </a:rPr>
+              <a:t>("Cactus")</a:t>
+            </a:r>
+            <a:r>
+              <a:rPr lang="en-US" sz="2800" dirty="0"/>
+              <a:t>){</a:t>
+            </a:r>
+          </a:p>
+          <a:p>
+            <a:r>
+              <a:rPr lang="en-US" sz="2800" dirty="0"/>
+              <a:t>	</a:t>
+            </a:r>
+            <a:r>
+              <a:rPr lang="en-US" sz="2800" dirty="0">
+                <a:solidFill>
+                  <a:srgbClr val="C00000"/>
+                </a:solidFill>
+              </a:rPr>
+              <a:t>health</a:t>
+            </a:r>
+            <a:r>
+              <a:rPr lang="en-US" sz="2800" dirty="0"/>
+              <a:t> = </a:t>
+            </a:r>
+            <a:r>
+              <a:rPr lang="en-US" sz="2800" dirty="0">
+                <a:solidFill>
+                  <a:srgbClr val="C00000"/>
+                </a:solidFill>
+              </a:rPr>
+              <a:t>health</a:t>
+            </a:r>
+            <a:r>
+              <a:rPr lang="en-US" sz="2800" dirty="0"/>
+              <a:t> – 10;</a:t>
+            </a:r>
+          </a:p>
+          <a:p>
+            <a:r>
+              <a:rPr lang="en-US" sz="2800" dirty="0"/>
+              <a:t>}</a:t>
+            </a:r>
+          </a:p>
+          <a:p>
+            <a:r>
+              <a:rPr lang="en-US" sz="2800" dirty="0"/>
+              <a:t>else{</a:t>
+            </a:r>
+          </a:p>
+          <a:p>
+            <a:r>
+              <a:rPr lang="en-US" sz="2800" dirty="0"/>
+              <a:t>	</a:t>
+            </a:r>
+            <a:r>
+              <a:rPr lang="en-US" sz="2800" dirty="0">
+                <a:solidFill>
+                  <a:srgbClr val="C00000"/>
+                </a:solidFill>
+              </a:rPr>
+              <a:t>health</a:t>
+            </a:r>
+            <a:r>
+              <a:rPr lang="en-US" sz="2800" dirty="0"/>
+              <a:t> = 0;</a:t>
+            </a:r>
+          </a:p>
+          <a:p>
+            <a:r>
+              <a:rPr lang="en-US" sz="2800" dirty="0"/>
+              <a:t>}</a:t>
+            </a:r>
+          </a:p>
+        </p:txBody>
+      </p:sp>
+    </p:spTree>
+    <p:extLst>
+      <p:ext uri="{BB962C8B-B14F-4D97-AF65-F5344CB8AC3E}">
+        <p14:creationId xmlns:p14="http://schemas.microsoft.com/office/powerpoint/2010/main" val="3859143439"/>
+      </p:ext>
+    </p:extLst>
+  </p:cSld>
+  <p:clrMapOvr>
+    <a:masterClrMapping/>
+  </p:clrMapOvr>
+</p:sld>
+</file>
+
+<file path=ppt/slides/slide14.xml><?xml version="1.0" encoding="utf-8"?>
+<p:sld xmlns:a="http://schemas.openxmlformats.org/drawingml/2006/main" xmlns:r="http://schemas.openxmlformats.org/officeDocument/2006/relationships" xmlns:p="http://schemas.openxmlformats.org/presentationml/2006/main">
+  <p:cSld>
+    <p:spTree>
+      <p:nvGrpSpPr>
+        <p:cNvPr id="1" name=""/>
+        <p:cNvGrpSpPr/>
+        <p:nvPr/>
+      </p:nvGrpSpPr>
+      <p:grpSpPr>
+        <a:xfrm>
+          <a:off x="0" y="0"/>
+          <a:ext cx="0" cy="0"/>
+          <a:chOff x="0" y="0"/>
+          <a:chExt cx="0" cy="0"/>
+        </a:xfrm>
+      </p:grpSpPr>
+      <p:sp>
+        <p:nvSpPr>
+          <p:cNvPr id="134" name="CustomShape 1"/>
           <p:cNvSpPr/>
           <p:nvPr/>
         </p:nvSpPr>
         <p:spPr>
           <a:xfrm>
-            <a:off x="6636000" y="1872000"/>
-            <a:ext cx="2951640" cy="719640"/>
-          </a:xfrm>
-          <a:prstGeom prst="rect">
-            <a:avLst/>
-          </a:prstGeom>
-          <a:solidFill>
-            <a:srgbClr val="729FCF"/>
-          </a:solidFill>
-          <a:ln>
-            <a:solidFill>
-              <a:srgbClr val="3465A4"/>
-            </a:solidFill>
-          </a:ln>
-        </p:spPr>
-        <p:style>
-          <a:lnRef idx="0">
-            <a:scrgbClr r="0" g="0" b="0"/>
-          </a:lnRef>
-          <a:fillRef idx="0">
-            <a:scrgbClr r="0" g="0" b="0"/>
-          </a:fillRef>
-          <a:effectRef idx="0">
-            <a:scrgbClr r="0" g="0" b="0"/>
-          </a:effectRef>
-          <a:fontRef idx="minor"/>
-        </p:style>
-        <p:txBody>
-          <a:bodyPr wrap="none" lIns="90000" tIns="45000" rIns="90000" bIns="45000" anchor="ctr">
-            <a:noAutofit/>
-          </a:bodyPr>
-          <a:lstStyle/>
-          <a:p>
-            <a:pPr algn="ctr">
-              <a:lnSpc>
-                <a:spcPct val="100000"/>
-              </a:lnSpc>
-            </a:pPr>
-            <a:r>
-              <a:rPr lang="ru-RU" sz="2200" spc="-1">
-                <a:solidFill>
-                  <a:srgbClr val="000000"/>
-                </a:solidFill>
-                <a:latin typeface="Calibri"/>
-                <a:ea typeface="DejaVu Sans"/>
-              </a:rPr>
-              <a:t>1 &lt; x &amp;&amp; x &lt; 6</a:t>
-            </a:r>
-            <a:endParaRPr lang="ru-RU" sz="2200" spc="-1">
-              <a:latin typeface="Arial"/>
-            </a:endParaRPr>
-          </a:p>
-        </p:txBody>
-      </p:sp>
-      <p:sp>
-        <p:nvSpPr>
-          <p:cNvPr id="137" name="CustomShape 4"/>
-          <p:cNvSpPr/>
-          <p:nvPr/>
-        </p:nvSpPr>
-        <p:spPr>
-          <a:xfrm>
-            <a:off x="4260000" y="3672000"/>
-            <a:ext cx="3815640" cy="719640"/>
-          </a:xfrm>
-          <a:prstGeom prst="rect">
-            <a:avLst/>
-          </a:prstGeom>
-          <a:solidFill>
-            <a:srgbClr val="729FCF"/>
-          </a:solidFill>
-          <a:ln>
-            <a:solidFill>
-              <a:srgbClr val="3465A4"/>
-            </a:solidFill>
-          </a:ln>
-        </p:spPr>
-        <p:style>
-          <a:lnRef idx="0">
-            <a:scrgbClr r="0" g="0" b="0"/>
-          </a:lnRef>
-          <a:fillRef idx="0">
-            <a:scrgbClr r="0" g="0" b="0"/>
-          </a:fillRef>
-          <a:effectRef idx="0">
-            <a:scrgbClr r="0" g="0" b="0"/>
-          </a:effectRef>
-          <a:fontRef idx="minor"/>
-        </p:style>
-        <p:txBody>
-          <a:bodyPr wrap="none" lIns="90000" tIns="45000" rIns="90000" bIns="45000" anchor="ctr">
-            <a:noAutofit/>
-          </a:bodyPr>
-          <a:lstStyle/>
-          <a:p>
-            <a:pPr algn="ctr">
-              <a:lnSpc>
-                <a:spcPct val="100000"/>
-              </a:lnSpc>
-            </a:pPr>
-            <a:r>
-              <a:rPr lang="ru-RU" sz="2200" spc="-1">
-                <a:solidFill>
-                  <a:srgbClr val="000000"/>
-                </a:solidFill>
-                <a:latin typeface="Calibri"/>
-                <a:ea typeface="DejaVu Sans"/>
-              </a:rPr>
-              <a:t>value1 || value2 &amp;&amp; value3</a:t>
-            </a:r>
-            <a:endParaRPr lang="ru-RU" sz="2200" spc="-1">
-              <a:latin typeface="Arial"/>
-            </a:endParaRPr>
-          </a:p>
-        </p:txBody>
-      </p:sp>
-      <p:sp>
-        <p:nvSpPr>
-          <p:cNvPr id="138" name="Line 5"/>
-          <p:cNvSpPr/>
-          <p:nvPr/>
-        </p:nvSpPr>
-        <p:spPr>
-          <a:xfrm>
-            <a:off x="5268000" y="2160000"/>
-            <a:ext cx="1368000" cy="0"/>
-          </a:xfrm>
-          <a:prstGeom prst="line">
-            <a:avLst/>
-          </a:prstGeom>
-          <a:ln>
-            <a:solidFill>
-              <a:srgbClr val="3465A4"/>
-            </a:solidFill>
-            <a:tailEnd type="triangle" w="med" len="med"/>
-          </a:ln>
-        </p:spPr>
-        <p:style>
-          <a:lnRef idx="0">
-            <a:scrgbClr r="0" g="0" b="0"/>
-          </a:lnRef>
-          <a:fillRef idx="0">
-            <a:scrgbClr r="0" g="0" b="0"/>
-          </a:fillRef>
-          <a:effectRef idx="0">
-            <a:scrgbClr r="0" g="0" b="0"/>
-          </a:effectRef>
-          <a:fontRef idx="minor"/>
-        </p:style>
-      </p:sp>
-      <p:sp>
-        <p:nvSpPr>
-          <p:cNvPr id="139" name="CustomShape 6"/>
-          <p:cNvSpPr/>
-          <p:nvPr/>
-        </p:nvSpPr>
-        <p:spPr>
-          <a:xfrm>
-            <a:off x="1956000" y="4968000"/>
-            <a:ext cx="3527640" cy="719640"/>
-          </a:xfrm>
-          <a:prstGeom prst="rect">
-            <a:avLst/>
-          </a:prstGeom>
-          <a:solidFill>
-            <a:srgbClr val="7BCF72"/>
-          </a:solidFill>
-          <a:ln>
-            <a:solidFill>
-              <a:srgbClr val="3465A4"/>
-            </a:solidFill>
-          </a:ln>
-        </p:spPr>
-        <p:style>
-          <a:lnRef idx="0">
-            <a:scrgbClr r="0" g="0" b="0"/>
-          </a:lnRef>
-          <a:fillRef idx="0">
-            <a:scrgbClr r="0" g="0" b="0"/>
-          </a:fillRef>
-          <a:effectRef idx="0">
-            <a:scrgbClr r="0" g="0" b="0"/>
-          </a:effectRef>
-          <a:fontRef idx="minor"/>
-        </p:style>
-        <p:txBody>
-          <a:bodyPr wrap="none" lIns="90000" tIns="45000" rIns="90000" bIns="45000" anchor="ctr">
-            <a:noAutofit/>
-          </a:bodyPr>
-          <a:lstStyle/>
-          <a:p>
-            <a:pPr algn="just">
-              <a:lnSpc>
-                <a:spcPct val="100000"/>
-              </a:lnSpc>
-            </a:pPr>
-            <a:r>
-              <a:rPr lang="ru-RU" sz="2200" spc="-1">
-                <a:solidFill>
-                  <a:srgbClr val="000000"/>
-                </a:solidFill>
-                <a:latin typeface="Calibri"/>
-                <a:ea typeface="Liberation Mono;Courier New"/>
-              </a:rPr>
-              <a:t>value1 || (value2 &amp;&amp; value3)</a:t>
-            </a:r>
-            <a:endParaRPr lang="ru-RU" sz="2200" spc="-1">
-              <a:latin typeface="Arial"/>
-            </a:endParaRPr>
-          </a:p>
-        </p:txBody>
-      </p:sp>
-      <p:sp>
-        <p:nvSpPr>
-          <p:cNvPr id="140" name="CustomShape 7"/>
-          <p:cNvSpPr/>
-          <p:nvPr/>
-        </p:nvSpPr>
-        <p:spPr>
-          <a:xfrm>
-            <a:off x="6564000" y="4968000"/>
-            <a:ext cx="3527640" cy="719640"/>
-          </a:xfrm>
-          <a:prstGeom prst="rect">
-            <a:avLst/>
-          </a:prstGeom>
-          <a:solidFill>
-            <a:srgbClr val="FE7180"/>
-          </a:solidFill>
-          <a:ln>
-            <a:solidFill>
-              <a:srgbClr val="3465A4"/>
-            </a:solidFill>
-          </a:ln>
-        </p:spPr>
-        <p:style>
-          <a:lnRef idx="0">
-            <a:scrgbClr r="0" g="0" b="0"/>
-          </a:lnRef>
-          <a:fillRef idx="0">
-            <a:scrgbClr r="0" g="0" b="0"/>
-          </a:fillRef>
-          <a:effectRef idx="0">
-            <a:scrgbClr r="0" g="0" b="0"/>
-          </a:effectRef>
-          <a:fontRef idx="minor"/>
-        </p:style>
-        <p:txBody>
-          <a:bodyPr wrap="none" lIns="90000" tIns="45000" rIns="90000" bIns="45000" anchor="ctr">
-            <a:noAutofit/>
-          </a:bodyPr>
-          <a:lstStyle/>
-          <a:p>
-            <a:pPr algn="just">
-              <a:lnSpc>
-                <a:spcPct val="100000"/>
-              </a:lnSpc>
-            </a:pPr>
-            <a:r>
-              <a:rPr lang="ru-RU" sz="2200" spc="-1">
-                <a:solidFill>
-                  <a:srgbClr val="000000"/>
-                </a:solidFill>
-                <a:latin typeface="Calibri"/>
-                <a:ea typeface="Liberation Mono;Courier New"/>
-              </a:rPr>
-              <a:t>(value1 || value2) &amp;&amp; value3</a:t>
-            </a:r>
-            <a:endParaRPr lang="ru-RU" sz="2200" spc="-1">
-              <a:latin typeface="Arial"/>
-            </a:endParaRPr>
-          </a:p>
-        </p:txBody>
-      </p:sp>
-      <p:sp>
-        <p:nvSpPr>
-          <p:cNvPr id="141" name="Line 8"/>
-          <p:cNvSpPr/>
-          <p:nvPr/>
-        </p:nvSpPr>
-        <p:spPr>
-          <a:xfrm flipH="1">
-            <a:off x="4548000" y="4392000"/>
-            <a:ext cx="432000" cy="576000"/>
-          </a:xfrm>
-          <a:prstGeom prst="line">
-            <a:avLst/>
-          </a:prstGeom>
-          <a:ln>
-            <a:solidFill>
-              <a:srgbClr val="3465A4"/>
-            </a:solidFill>
-            <a:tailEnd type="triangle" w="med" len="med"/>
-          </a:ln>
-        </p:spPr>
-        <p:style>
-          <a:lnRef idx="0">
-            <a:scrgbClr r="0" g="0" b="0"/>
-          </a:lnRef>
-          <a:fillRef idx="0">
-            <a:scrgbClr r="0" g="0" b="0"/>
-          </a:fillRef>
-          <a:effectRef idx="0">
-            <a:scrgbClr r="0" g="0" b="0"/>
-          </a:effectRef>
-          <a:fontRef idx="minor"/>
-        </p:style>
-      </p:sp>
-      <p:sp>
-        <p:nvSpPr>
-          <p:cNvPr id="142" name="Line 9"/>
-          <p:cNvSpPr/>
-          <p:nvPr/>
-        </p:nvSpPr>
-        <p:spPr>
-          <a:xfrm>
-            <a:off x="7140000" y="4392000"/>
-            <a:ext cx="504000" cy="576000"/>
-          </a:xfrm>
-          <a:prstGeom prst="line">
-            <a:avLst/>
-          </a:prstGeom>
-          <a:ln>
-            <a:solidFill>
-              <a:srgbClr val="3465A4"/>
-            </a:solidFill>
-            <a:tailEnd type="triangle" w="med" len="med"/>
-          </a:ln>
-        </p:spPr>
-        <p:style>
-          <a:lnRef idx="0">
-            <a:scrgbClr r="0" g="0" b="0"/>
-          </a:lnRef>
-          <a:fillRef idx="0">
-            <a:scrgbClr r="0" g="0" b="0"/>
-          </a:fillRef>
-          <a:effectRef idx="0">
-            <a:scrgbClr r="0" g="0" b="0"/>
-          </a:effectRef>
-          <a:fontRef idx="minor"/>
-        </p:style>
-      </p:sp>
-      <p:sp>
-        <p:nvSpPr>
-          <p:cNvPr id="143" name="CustomShape 10"/>
-          <p:cNvSpPr/>
-          <p:nvPr/>
-        </p:nvSpPr>
-        <p:spPr>
-          <a:xfrm>
-            <a:off x="3092880" y="5895360"/>
-            <a:ext cx="1814760" cy="368280"/>
+            <a:off x="1886230" y="448640"/>
+            <a:ext cx="7882920" cy="759240"/>
           </a:xfrm>
           <a:prstGeom prst="rect">
             <a:avLst/>
@@ -6883,27 +6424,26 @@
           <a:fontRef idx="minor"/>
         </p:style>
         <p:txBody>
-          <a:bodyPr lIns="90000" tIns="45000" rIns="90000" bIns="45000">
-            <a:noAutofit/>
+          <a:bodyPr lIns="90000" tIns="45000" rIns="90000" bIns="45000" anchor="ctr">
+            <a:normAutofit/>
           </a:bodyPr>
           <a:lstStyle/>
           <a:p>
-            <a:pPr>
+            <a:pPr algn="ctr">
               <a:lnSpc>
                 <a:spcPct val="100000"/>
               </a:lnSpc>
             </a:pPr>
             <a:r>
-              <a:rPr lang="ru-RU" sz="2200" spc="-1">
-                <a:solidFill>
-                  <a:srgbClr val="000000"/>
+              <a:rPr lang="ru-RU" sz="4000" b="1" spc="-1" dirty="0">
+                <a:solidFill>
+                  <a:srgbClr val="203864"/>
                 </a:solidFill>
                 <a:latin typeface="Calibri"/>
-                <a:ea typeface="DejaVu Sans"/>
-              </a:rPr>
-              <a:t>ВЕРНО</a:t>
-            </a:r>
-            <a:endParaRPr lang="ru-RU" sz="2200" spc="-1">
+              </a:rPr>
+              <a:t>Звуки</a:t>
+            </a:r>
+            <a:endParaRPr lang="ru-RU" sz="4000" spc="-1" dirty="0">
               <a:latin typeface="Arial"/>
             </a:endParaRPr>
           </a:p>
@@ -6911,14 +6451,135 @@
       </p:sp>
       <p:sp>
         <p:nvSpPr>
-          <p:cNvPr id="144" name="CustomShape 11"/>
+          <p:cNvPr id="2" name="TextBox 1">
+            <a:extLst>
+              <a:ext uri="{FF2B5EF4-FFF2-40B4-BE49-F238E27FC236}">
+                <a16:creationId xmlns:a16="http://schemas.microsoft.com/office/drawing/2014/main" id="{586C89A3-BE5E-4F5F-80A0-B3959BA8B6A5}"/>
+              </a:ext>
+            </a:extLst>
+          </p:cNvPr>
+          <p:cNvSpPr txBox="1"/>
+          <p:nvPr/>
+        </p:nvSpPr>
+        <p:spPr>
+          <a:xfrm>
+            <a:off x="643356" y="1526959"/>
+            <a:ext cx="8654933" cy="1938992"/>
+          </a:xfrm>
+          <a:prstGeom prst="rect">
+            <a:avLst/>
+          </a:prstGeom>
+          <a:noFill/>
+        </p:spPr>
+        <p:txBody>
+          <a:bodyPr wrap="none" rtlCol="0">
+            <a:spAutoFit/>
+          </a:bodyPr>
+          <a:lstStyle/>
+          <a:p>
+            <a:r>
+              <a:rPr lang="en-US" sz="2400" dirty="0">
+                <a:solidFill>
+                  <a:schemeClr val="accent5">
+                    <a:lumMod val="50000"/>
+                  </a:schemeClr>
+                </a:solidFill>
+              </a:rPr>
+              <a:t>Play on Awake </a:t>
+            </a:r>
+            <a:r>
+              <a:rPr lang="en-US" sz="2400" dirty="0"/>
+              <a:t>– </a:t>
+            </a:r>
+            <a:r>
+              <a:rPr lang="ru-RU" sz="2400" dirty="0"/>
+              <a:t>воспроизводить звук при запуске игры</a:t>
+            </a:r>
+          </a:p>
+          <a:p>
+            <a:endParaRPr lang="en-US" sz="2400" dirty="0"/>
+          </a:p>
+          <a:p>
+            <a:r>
+              <a:rPr lang="en-US" sz="2400" dirty="0">
+                <a:solidFill>
+                  <a:schemeClr val="accent5">
+                    <a:lumMod val="50000"/>
+                  </a:schemeClr>
+                </a:solidFill>
+              </a:rPr>
+              <a:t>Loop</a:t>
+            </a:r>
+            <a:r>
+              <a:rPr lang="en-US" sz="2400" dirty="0"/>
+              <a:t> – </a:t>
+            </a:r>
+            <a:r>
+              <a:rPr lang="ru-RU" sz="2400" dirty="0"/>
+              <a:t>повторять звук постоянно</a:t>
+            </a:r>
+          </a:p>
+          <a:p>
+            <a:endParaRPr lang="ru-RU" sz="2400" dirty="0"/>
+          </a:p>
+          <a:p>
+            <a:r>
+              <a:rPr lang="en-US" sz="2400" dirty="0">
+                <a:solidFill>
+                  <a:schemeClr val="accent5">
+                    <a:lumMod val="50000"/>
+                  </a:schemeClr>
+                </a:solidFill>
+              </a:rPr>
+              <a:t>Volume</a:t>
+            </a:r>
+            <a:r>
+              <a:rPr lang="ru-RU" sz="2400" dirty="0"/>
+              <a:t> – громкость звука</a:t>
+            </a:r>
+          </a:p>
+        </p:txBody>
+      </p:sp>
+    </p:spTree>
+    <p:extLst>
+      <p:ext uri="{BB962C8B-B14F-4D97-AF65-F5344CB8AC3E}">
+        <p14:creationId xmlns:p14="http://schemas.microsoft.com/office/powerpoint/2010/main" val="154067459"/>
+      </p:ext>
+    </p:extLst>
+  </p:cSld>
+  <p:clrMapOvr>
+    <a:masterClrMapping/>
+  </p:clrMapOvr>
+</p:sld>
+</file>
+
+<file path=ppt/slides/slide15.xml><?xml version="1.0" encoding="utf-8"?>
+<p:sld xmlns:a="http://schemas.openxmlformats.org/drawingml/2006/main" xmlns:r="http://schemas.openxmlformats.org/officeDocument/2006/relationships" xmlns:p="http://schemas.openxmlformats.org/presentationml/2006/main">
+  <p:cSld>
+    <p:spTree>
+      <p:nvGrpSpPr>
+        <p:cNvPr id="1" name=""/>
+        <p:cNvGrpSpPr/>
+        <p:nvPr/>
+      </p:nvGrpSpPr>
+      <p:grpSpPr>
+        <a:xfrm>
+          <a:off x="0" y="0"/>
+          <a:ext cx="0" cy="0"/>
+          <a:chOff x="0" y="0"/>
+          <a:chExt cx="0" cy="0"/>
+        </a:xfrm>
+      </p:grpSpPr>
+      <p:sp>
+        <p:nvSpPr>
+          <p:cNvPr id="134" name="CustomShape 1"/>
           <p:cNvSpPr/>
           <p:nvPr/>
         </p:nvSpPr>
         <p:spPr>
           <a:xfrm>
-            <a:off x="7644000" y="5904000"/>
-            <a:ext cx="1814760" cy="368280"/>
+            <a:off x="1832964" y="534452"/>
+            <a:ext cx="7882920" cy="759240"/>
           </a:xfrm>
           <a:prstGeom prst="rect">
             <a:avLst/>
@@ -6941,36 +6602,912 @@
           <a:fontRef idx="minor"/>
         </p:style>
         <p:txBody>
-          <a:bodyPr lIns="90000" tIns="45000" rIns="90000" bIns="45000">
-            <a:noAutofit/>
+          <a:bodyPr lIns="90000" tIns="45000" rIns="90000" bIns="45000" anchor="ctr">
+            <a:normAutofit/>
           </a:bodyPr>
           <a:lstStyle/>
           <a:p>
-            <a:pPr>
+            <a:pPr algn="ctr">
               <a:lnSpc>
                 <a:spcPct val="100000"/>
               </a:lnSpc>
             </a:pPr>
             <a:r>
-              <a:rPr lang="ru-RU" sz="2200" spc="-1">
-                <a:solidFill>
-                  <a:srgbClr val="000000"/>
+              <a:rPr lang="ru-RU" sz="4000" b="1" spc="-1" dirty="0">
+                <a:solidFill>
+                  <a:srgbClr val="203864"/>
                 </a:solidFill>
                 <a:latin typeface="Calibri"/>
-                <a:ea typeface="DejaVu Sans"/>
-              </a:rPr>
-              <a:t>НЕВЕРНО</a:t>
-            </a:r>
-            <a:endParaRPr lang="ru-RU" sz="2200" spc="-1">
+              </a:rPr>
+              <a:t>Повороты</a:t>
+            </a:r>
+            <a:endParaRPr lang="ru-RU" sz="4000" spc="-1" dirty="0">
               <a:latin typeface="Arial"/>
             </a:endParaRPr>
+          </a:p>
+        </p:txBody>
+      </p:sp>
+      <p:sp>
+        <p:nvSpPr>
+          <p:cNvPr id="2" name="TextBox 1">
+            <a:extLst>
+              <a:ext uri="{FF2B5EF4-FFF2-40B4-BE49-F238E27FC236}">
+                <a16:creationId xmlns:a16="http://schemas.microsoft.com/office/drawing/2014/main" id="{586C89A3-BE5E-4F5F-80A0-B3959BA8B6A5}"/>
+              </a:ext>
+            </a:extLst>
+          </p:cNvPr>
+          <p:cNvSpPr txBox="1"/>
+          <p:nvPr/>
+        </p:nvSpPr>
+        <p:spPr>
+          <a:xfrm>
+            <a:off x="911165" y="3134004"/>
+            <a:ext cx="10257936" cy="1130118"/>
+          </a:xfrm>
+          <a:prstGeom prst="rect">
+            <a:avLst/>
+          </a:prstGeom>
+          <a:noFill/>
+        </p:spPr>
+        <p:txBody>
+          <a:bodyPr wrap="none" rtlCol="0">
+            <a:spAutoFit/>
+          </a:bodyPr>
+          <a:lstStyle/>
+          <a:p>
+            <a:pPr>
+              <a:lnSpc>
+                <a:spcPct val="150000"/>
+              </a:lnSpc>
+            </a:pPr>
+            <a:r>
+              <a:rPr lang="ru-RU" sz="2400" dirty="0">
+                <a:solidFill>
+                  <a:srgbClr val="C00000"/>
+                </a:solidFill>
+              </a:rPr>
+              <a:t>Компонент </a:t>
+            </a:r>
+            <a:r>
+              <a:rPr lang="en-US" sz="2400" dirty="0">
+                <a:solidFill>
+                  <a:srgbClr val="C00000"/>
+                </a:solidFill>
+              </a:rPr>
+              <a:t>Ridgidbody2D</a:t>
+            </a:r>
+          </a:p>
+          <a:p>
+            <a:pPr>
+              <a:lnSpc>
+                <a:spcPct val="150000"/>
+              </a:lnSpc>
+            </a:pPr>
+            <a:r>
+              <a:rPr lang="en-US" sz="2400" dirty="0">
+                <a:solidFill>
+                  <a:schemeClr val="accent5">
+                    <a:lumMod val="50000"/>
+                  </a:schemeClr>
+                </a:solidFill>
+              </a:rPr>
+              <a:t>Constraints-&gt; Freeze Rotation Z </a:t>
+            </a:r>
+            <a:r>
+              <a:rPr lang="en-US" sz="2400" dirty="0"/>
+              <a:t>– </a:t>
+            </a:r>
+            <a:r>
+              <a:rPr lang="ru-RU" sz="2400" dirty="0"/>
+              <a:t>поворот тела относительно оси </a:t>
+            </a:r>
+            <a:r>
+              <a:rPr lang="en-US" sz="2400" dirty="0"/>
+              <a:t>Z</a:t>
+            </a:r>
+          </a:p>
+        </p:txBody>
+      </p:sp>
+      <p:sp>
+        <p:nvSpPr>
+          <p:cNvPr id="4" name="TextBox 3">
+            <a:extLst>
+              <a:ext uri="{FF2B5EF4-FFF2-40B4-BE49-F238E27FC236}">
+                <a16:creationId xmlns:a16="http://schemas.microsoft.com/office/drawing/2014/main" id="{364D7F95-FF9F-4B4A-AC74-A4FBF5D902D3}"/>
+              </a:ext>
+            </a:extLst>
+          </p:cNvPr>
+          <p:cNvSpPr txBox="1"/>
+          <p:nvPr/>
+        </p:nvSpPr>
+        <p:spPr>
+          <a:xfrm>
+            <a:off x="911165" y="1530423"/>
+            <a:ext cx="6532558" cy="1130118"/>
+          </a:xfrm>
+          <a:prstGeom prst="rect">
+            <a:avLst/>
+          </a:prstGeom>
+          <a:noFill/>
+        </p:spPr>
+        <p:txBody>
+          <a:bodyPr wrap="none" rtlCol="0">
+            <a:spAutoFit/>
+          </a:bodyPr>
+          <a:lstStyle/>
+          <a:p>
+            <a:pPr>
+              <a:lnSpc>
+                <a:spcPct val="150000"/>
+              </a:lnSpc>
+            </a:pPr>
+            <a:r>
+              <a:rPr lang="ru-RU" sz="2400" dirty="0">
+                <a:solidFill>
+                  <a:srgbClr val="C00000"/>
+                </a:solidFill>
+              </a:rPr>
+              <a:t>Компонент </a:t>
+            </a:r>
+            <a:r>
+              <a:rPr lang="en-US" sz="2400" dirty="0">
+                <a:solidFill>
+                  <a:srgbClr val="C00000"/>
+                </a:solidFill>
+              </a:rPr>
+              <a:t>Sprite Renderer</a:t>
+            </a:r>
+          </a:p>
+          <a:p>
+            <a:pPr>
+              <a:lnSpc>
+                <a:spcPct val="150000"/>
+              </a:lnSpc>
+            </a:pPr>
+            <a:r>
+              <a:rPr lang="en-US" sz="2400" dirty="0">
+                <a:solidFill>
+                  <a:schemeClr val="accent5">
+                    <a:lumMod val="50000"/>
+                  </a:schemeClr>
+                </a:solidFill>
+              </a:rPr>
+              <a:t>Flip </a:t>
+            </a:r>
+            <a:r>
+              <a:rPr lang="en-US" sz="2400" dirty="0"/>
+              <a:t>– </a:t>
+            </a:r>
+            <a:r>
+              <a:rPr lang="ru-RU" sz="2400" dirty="0"/>
+              <a:t>поворот спрайта относительно оси</a:t>
+            </a:r>
+            <a:endParaRPr lang="en-US" sz="2400" dirty="0"/>
           </a:p>
         </p:txBody>
       </p:sp>
     </p:spTree>
     <p:extLst>
       <p:ext uri="{BB962C8B-B14F-4D97-AF65-F5344CB8AC3E}">
-        <p14:creationId xmlns:p14="http://schemas.microsoft.com/office/powerpoint/2010/main" val="1374873474"/>
+        <p14:creationId xmlns:p14="http://schemas.microsoft.com/office/powerpoint/2010/main" val="381557316"/>
+      </p:ext>
+    </p:extLst>
+  </p:cSld>
+  <p:clrMapOvr>
+    <a:masterClrMapping/>
+  </p:clrMapOvr>
+</p:sld>
+</file>
+
+<file path=ppt/slides/slide16.xml><?xml version="1.0" encoding="utf-8"?>
+<p:sld xmlns:a="http://schemas.openxmlformats.org/drawingml/2006/main" xmlns:r="http://schemas.openxmlformats.org/officeDocument/2006/relationships" xmlns:p="http://schemas.openxmlformats.org/presentationml/2006/main">
+  <p:cSld>
+    <p:spTree>
+      <p:nvGrpSpPr>
+        <p:cNvPr id="1" name=""/>
+        <p:cNvGrpSpPr/>
+        <p:nvPr/>
+      </p:nvGrpSpPr>
+      <p:grpSpPr>
+        <a:xfrm>
+          <a:off x="0" y="0"/>
+          <a:ext cx="0" cy="0"/>
+          <a:chOff x="0" y="0"/>
+          <a:chExt cx="0" cy="0"/>
+        </a:xfrm>
+      </p:grpSpPr>
+      <p:sp>
+        <p:nvSpPr>
+          <p:cNvPr id="134" name="CustomShape 1"/>
+          <p:cNvSpPr/>
+          <p:nvPr/>
+        </p:nvSpPr>
+        <p:spPr>
+          <a:xfrm>
+            <a:off x="1832964" y="534452"/>
+            <a:ext cx="7882920" cy="759240"/>
+          </a:xfrm>
+          <a:prstGeom prst="rect">
+            <a:avLst/>
+          </a:prstGeom>
+          <a:noFill/>
+          <a:ln>
+            <a:noFill/>
+          </a:ln>
+        </p:spPr>
+        <p:style>
+          <a:lnRef idx="0">
+            <a:scrgbClr r="0" g="0" b="0"/>
+          </a:lnRef>
+          <a:fillRef idx="0">
+            <a:scrgbClr r="0" g="0" b="0"/>
+          </a:fillRef>
+          <a:effectRef idx="0">
+            <a:scrgbClr r="0" g="0" b="0"/>
+          </a:effectRef>
+          <a:fontRef idx="minor"/>
+        </p:style>
+        <p:txBody>
+          <a:bodyPr lIns="90000" tIns="45000" rIns="90000" bIns="45000" anchor="ctr">
+            <a:normAutofit/>
+          </a:bodyPr>
+          <a:lstStyle/>
+          <a:p>
+            <a:pPr algn="ctr">
+              <a:lnSpc>
+                <a:spcPct val="100000"/>
+              </a:lnSpc>
+            </a:pPr>
+            <a:r>
+              <a:rPr lang="ru-RU" sz="4000" b="1" spc="-1" dirty="0">
+                <a:solidFill>
+                  <a:srgbClr val="203864"/>
+                </a:solidFill>
+                <a:latin typeface="Calibri"/>
+              </a:rPr>
+              <a:t>Поиск другого объекта</a:t>
+            </a:r>
+            <a:endParaRPr lang="ru-RU" sz="4000" spc="-1" dirty="0">
+              <a:latin typeface="Arial"/>
+            </a:endParaRPr>
+          </a:p>
+        </p:txBody>
+      </p:sp>
+      <p:sp>
+        <p:nvSpPr>
+          <p:cNvPr id="4" name="TextBox 3">
+            <a:extLst>
+              <a:ext uri="{FF2B5EF4-FFF2-40B4-BE49-F238E27FC236}">
+                <a16:creationId xmlns:a16="http://schemas.microsoft.com/office/drawing/2014/main" id="{364D7F95-FF9F-4B4A-AC74-A4FBF5D902D3}"/>
+              </a:ext>
+            </a:extLst>
+          </p:cNvPr>
+          <p:cNvSpPr txBox="1"/>
+          <p:nvPr/>
+        </p:nvSpPr>
+        <p:spPr>
+          <a:xfrm>
+            <a:off x="438150" y="2000940"/>
+            <a:ext cx="10451900" cy="2246769"/>
+          </a:xfrm>
+          <a:prstGeom prst="rect">
+            <a:avLst/>
+          </a:prstGeom>
+          <a:noFill/>
+        </p:spPr>
+        <p:txBody>
+          <a:bodyPr wrap="none" rtlCol="0">
+            <a:spAutoFit/>
+          </a:bodyPr>
+          <a:lstStyle/>
+          <a:p>
+            <a:r>
+              <a:rPr lang="ru-RU" sz="2800" dirty="0"/>
+              <a:t>            </a:t>
+            </a:r>
+            <a:r>
+              <a:rPr lang="en-US" sz="2800" dirty="0" err="1"/>
+              <a:t>GameObject</a:t>
+            </a:r>
+            <a:r>
+              <a:rPr lang="en-US" sz="2800" dirty="0"/>
+              <a:t> </a:t>
+            </a:r>
+            <a:r>
+              <a:rPr lang="en-US" sz="2800" dirty="0">
+                <a:solidFill>
+                  <a:srgbClr val="00B0F0"/>
+                </a:solidFill>
+              </a:rPr>
+              <a:t>g</a:t>
+            </a:r>
+            <a:r>
+              <a:rPr lang="en-US" sz="2800" dirty="0"/>
+              <a:t> = </a:t>
+            </a:r>
+            <a:r>
+              <a:rPr lang="en-US" sz="2800" dirty="0" err="1">
+                <a:solidFill>
+                  <a:srgbClr val="C00000"/>
+                </a:solidFill>
+              </a:rPr>
+              <a:t>GameObject.Find</a:t>
+            </a:r>
+            <a:r>
+              <a:rPr lang="en-US" sz="2800" dirty="0"/>
+              <a:t>("</a:t>
+            </a:r>
+            <a:r>
+              <a:rPr lang="en-US" sz="2800" dirty="0" err="1">
+                <a:solidFill>
+                  <a:srgbClr val="00B050"/>
+                </a:solidFill>
+              </a:rPr>
+              <a:t>ground_grass</a:t>
+            </a:r>
+            <a:r>
+              <a:rPr lang="en-US" sz="2800" dirty="0"/>
+              <a:t>");</a:t>
+            </a:r>
+          </a:p>
+          <a:p>
+            <a:r>
+              <a:rPr lang="en-US" sz="2800" dirty="0"/>
+              <a:t>            if (</a:t>
+            </a:r>
+            <a:r>
+              <a:rPr lang="en-US" sz="2800" dirty="0">
+                <a:solidFill>
+                  <a:srgbClr val="00B0F0"/>
+                </a:solidFill>
+              </a:rPr>
+              <a:t>g</a:t>
+            </a:r>
+            <a:r>
+              <a:rPr lang="en-US" sz="2800" dirty="0"/>
+              <a:t> != null)</a:t>
+            </a:r>
+          </a:p>
+          <a:p>
+            <a:r>
+              <a:rPr lang="ru-RU" sz="2800" dirty="0"/>
+              <a:t>            {</a:t>
+            </a:r>
+          </a:p>
+          <a:p>
+            <a:r>
+              <a:rPr lang="en-US" sz="2800" dirty="0"/>
+              <a:t>                </a:t>
+            </a:r>
+            <a:r>
+              <a:rPr lang="en-US" sz="2800" dirty="0" err="1">
+                <a:solidFill>
+                  <a:srgbClr val="00B0F0"/>
+                </a:solidFill>
+              </a:rPr>
+              <a:t>g</a:t>
+            </a:r>
+            <a:r>
+              <a:rPr lang="en-US" sz="2800" dirty="0" err="1"/>
+              <a:t>.GetComponent</a:t>
+            </a:r>
+            <a:r>
+              <a:rPr lang="en-US" sz="2800" dirty="0"/>
+              <a:t>&lt;</a:t>
+            </a:r>
+            <a:r>
+              <a:rPr lang="en-US" sz="2800" dirty="0" err="1"/>
+              <a:t>AudioSource</a:t>
+            </a:r>
+            <a:r>
+              <a:rPr lang="en-US" sz="2800" dirty="0"/>
+              <a:t>&gt;().Stop();</a:t>
+            </a:r>
+          </a:p>
+          <a:p>
+            <a:r>
+              <a:rPr lang="ru-RU" sz="2800" dirty="0"/>
+              <a:t>            }</a:t>
+            </a:r>
+            <a:endParaRPr lang="en-US" sz="2800" dirty="0"/>
+          </a:p>
+        </p:txBody>
+      </p:sp>
+    </p:spTree>
+    <p:extLst>
+      <p:ext uri="{BB962C8B-B14F-4D97-AF65-F5344CB8AC3E}">
+        <p14:creationId xmlns:p14="http://schemas.microsoft.com/office/powerpoint/2010/main" val="4049549041"/>
+      </p:ext>
+    </p:extLst>
+  </p:cSld>
+  <p:clrMapOvr>
+    <a:masterClrMapping/>
+  </p:clrMapOvr>
+</p:sld>
+</file>
+
+<file path=ppt/slides/slide17.xml><?xml version="1.0" encoding="utf-8"?>
+<p:sld xmlns:a="http://schemas.openxmlformats.org/drawingml/2006/main" xmlns:r="http://schemas.openxmlformats.org/officeDocument/2006/relationships" xmlns:p="http://schemas.openxmlformats.org/presentationml/2006/main">
+  <p:cSld>
+    <p:spTree>
+      <p:nvGrpSpPr>
+        <p:cNvPr id="1" name=""/>
+        <p:cNvGrpSpPr/>
+        <p:nvPr/>
+      </p:nvGrpSpPr>
+      <p:grpSpPr>
+        <a:xfrm>
+          <a:off x="0" y="0"/>
+          <a:ext cx="0" cy="0"/>
+          <a:chOff x="0" y="0"/>
+          <a:chExt cx="0" cy="0"/>
+        </a:xfrm>
+      </p:grpSpPr>
+      <p:sp>
+        <p:nvSpPr>
+          <p:cNvPr id="134" name="CustomShape 1"/>
+          <p:cNvSpPr/>
+          <p:nvPr/>
+        </p:nvSpPr>
+        <p:spPr>
+          <a:xfrm>
+            <a:off x="1832964" y="297720"/>
+            <a:ext cx="7882920" cy="759240"/>
+          </a:xfrm>
+          <a:prstGeom prst="rect">
+            <a:avLst/>
+          </a:prstGeom>
+          <a:noFill/>
+          <a:ln>
+            <a:noFill/>
+          </a:ln>
+        </p:spPr>
+        <p:style>
+          <a:lnRef idx="0">
+            <a:scrgbClr r="0" g="0" b="0"/>
+          </a:lnRef>
+          <a:fillRef idx="0">
+            <a:scrgbClr r="0" g="0" b="0"/>
+          </a:fillRef>
+          <a:effectRef idx="0">
+            <a:scrgbClr r="0" g="0" b="0"/>
+          </a:effectRef>
+          <a:fontRef idx="minor"/>
+        </p:style>
+        <p:txBody>
+          <a:bodyPr lIns="90000" tIns="45000" rIns="90000" bIns="45000" anchor="ctr">
+            <a:normAutofit/>
+          </a:bodyPr>
+          <a:lstStyle/>
+          <a:p>
+            <a:pPr algn="ctr">
+              <a:lnSpc>
+                <a:spcPct val="100000"/>
+              </a:lnSpc>
+            </a:pPr>
+            <a:r>
+              <a:rPr lang="ru-RU" sz="4000" b="1" spc="-1" dirty="0">
+                <a:solidFill>
+                  <a:srgbClr val="203864"/>
+                </a:solidFill>
+                <a:latin typeface="Calibri"/>
+              </a:rPr>
+              <a:t>Условия</a:t>
+            </a:r>
+            <a:endParaRPr lang="ru-RU" sz="4000" spc="-1" dirty="0">
+              <a:latin typeface="Arial"/>
+            </a:endParaRPr>
+          </a:p>
+        </p:txBody>
+      </p:sp>
+      <p:pic>
+        <p:nvPicPr>
+          <p:cNvPr id="13" name="Рисунок 12">
+            <a:extLst>
+              <a:ext uri="{FF2B5EF4-FFF2-40B4-BE49-F238E27FC236}">
+                <a16:creationId xmlns:a16="http://schemas.microsoft.com/office/drawing/2014/main" id="{92E9D4E5-6530-42F6-B4B1-3FFB56DA9643}"/>
+              </a:ext>
+            </a:extLst>
+          </p:cNvPr>
+          <p:cNvPicPr>
+            <a:picLocks noChangeAspect="1"/>
+          </p:cNvPicPr>
+          <p:nvPr/>
+        </p:nvPicPr>
+        <p:blipFill>
+          <a:blip r:embed="rId2">
+            <a:extLst>
+              <a:ext uri="{28A0092B-C50C-407E-A947-70E740481C1C}">
+                <a14:useLocalDpi xmlns:a14="http://schemas.microsoft.com/office/drawing/2010/main" val="0"/>
+              </a:ext>
+            </a:extLst>
+          </a:blip>
+          <a:stretch>
+            <a:fillRect/>
+          </a:stretch>
+        </p:blipFill>
+        <p:spPr>
+          <a:xfrm>
+            <a:off x="528746" y="2720218"/>
+            <a:ext cx="2228281" cy="1740559"/>
+          </a:xfrm>
+          <a:prstGeom prst="rect">
+            <a:avLst/>
+          </a:prstGeom>
+        </p:spPr>
+      </p:pic>
+      <p:pic>
+        <p:nvPicPr>
+          <p:cNvPr id="14" name="Рисунок 13">
+            <a:extLst>
+              <a:ext uri="{FF2B5EF4-FFF2-40B4-BE49-F238E27FC236}">
+                <a16:creationId xmlns:a16="http://schemas.microsoft.com/office/drawing/2014/main" id="{624CD480-2F4E-4C5C-8CDD-67E89899E2DF}"/>
+              </a:ext>
+            </a:extLst>
+          </p:cNvPr>
+          <p:cNvPicPr>
+            <a:picLocks noChangeAspect="1"/>
+          </p:cNvPicPr>
+          <p:nvPr/>
+        </p:nvPicPr>
+        <p:blipFill>
+          <a:blip r:embed="rId3">
+            <a:extLst>
+              <a:ext uri="{28A0092B-C50C-407E-A947-70E740481C1C}">
+                <a14:useLocalDpi xmlns:a14="http://schemas.microsoft.com/office/drawing/2010/main" val="0"/>
+              </a:ext>
+            </a:extLst>
+          </a:blip>
+          <a:stretch>
+            <a:fillRect/>
+          </a:stretch>
+        </p:blipFill>
+        <p:spPr>
+          <a:xfrm>
+            <a:off x="4405186" y="1149462"/>
+            <a:ext cx="1114425" cy="1524000"/>
+          </a:xfrm>
+          <a:prstGeom prst="rect">
+            <a:avLst/>
+          </a:prstGeom>
+        </p:spPr>
+      </p:pic>
+      <p:cxnSp>
+        <p:nvCxnSpPr>
+          <p:cNvPr id="5" name="Прямая со стрелкой 4">
+            <a:extLst>
+              <a:ext uri="{FF2B5EF4-FFF2-40B4-BE49-F238E27FC236}">
+                <a16:creationId xmlns:a16="http://schemas.microsoft.com/office/drawing/2014/main" id="{03A81DDD-E715-4B9E-8B66-ABD6B7BFD9FC}"/>
+              </a:ext>
+            </a:extLst>
+          </p:cNvPr>
+          <p:cNvCxnSpPr>
+            <a:cxnSpLocks/>
+          </p:cNvCxnSpPr>
+          <p:nvPr/>
+        </p:nvCxnSpPr>
+        <p:spPr>
+          <a:xfrm flipV="1">
+            <a:off x="2364280" y="2397974"/>
+            <a:ext cx="1531225" cy="801696"/>
+          </a:xfrm>
+          <a:prstGeom prst="straightConnector1">
+            <a:avLst/>
+          </a:prstGeom>
+          <a:ln>
+            <a:tailEnd type="triangle"/>
+          </a:ln>
+        </p:spPr>
+        <p:style>
+          <a:lnRef idx="3">
+            <a:schemeClr val="dk1"/>
+          </a:lnRef>
+          <a:fillRef idx="0">
+            <a:schemeClr val="dk1"/>
+          </a:fillRef>
+          <a:effectRef idx="2">
+            <a:schemeClr val="dk1"/>
+          </a:effectRef>
+          <a:fontRef idx="minor">
+            <a:schemeClr val="tx1"/>
+          </a:fontRef>
+        </p:style>
+      </p:cxnSp>
+      <p:cxnSp>
+        <p:nvCxnSpPr>
+          <p:cNvPr id="19" name="Прямая со стрелкой 18">
+            <a:extLst>
+              <a:ext uri="{FF2B5EF4-FFF2-40B4-BE49-F238E27FC236}">
+                <a16:creationId xmlns:a16="http://schemas.microsoft.com/office/drawing/2014/main" id="{66F609AB-17D2-4782-BACA-3A56351F2E55}"/>
+              </a:ext>
+            </a:extLst>
+          </p:cNvPr>
+          <p:cNvCxnSpPr>
+            <a:cxnSpLocks/>
+          </p:cNvCxnSpPr>
+          <p:nvPr/>
+        </p:nvCxnSpPr>
+        <p:spPr>
+          <a:xfrm>
+            <a:off x="2187845" y="4374863"/>
+            <a:ext cx="1061382" cy="959535"/>
+          </a:xfrm>
+          <a:prstGeom prst="straightConnector1">
+            <a:avLst/>
+          </a:prstGeom>
+          <a:ln>
+            <a:tailEnd type="triangle"/>
+          </a:ln>
+        </p:spPr>
+        <p:style>
+          <a:lnRef idx="3">
+            <a:schemeClr val="dk1"/>
+          </a:lnRef>
+          <a:fillRef idx="0">
+            <a:schemeClr val="dk1"/>
+          </a:fillRef>
+          <a:effectRef idx="2">
+            <a:schemeClr val="dk1"/>
+          </a:effectRef>
+          <a:fontRef idx="minor">
+            <a:schemeClr val="tx1"/>
+          </a:fontRef>
+        </p:style>
+      </p:cxnSp>
+      <p:sp>
+        <p:nvSpPr>
+          <p:cNvPr id="26" name="TextBox 25">
+            <a:extLst>
+              <a:ext uri="{FF2B5EF4-FFF2-40B4-BE49-F238E27FC236}">
+                <a16:creationId xmlns:a16="http://schemas.microsoft.com/office/drawing/2014/main" id="{144AAB48-3B18-4538-9254-BEB424F81EF8}"/>
+              </a:ext>
+            </a:extLst>
+          </p:cNvPr>
+          <p:cNvSpPr txBox="1"/>
+          <p:nvPr/>
+        </p:nvSpPr>
+        <p:spPr>
+          <a:xfrm>
+            <a:off x="6029292" y="2114560"/>
+            <a:ext cx="5455340" cy="369332"/>
+          </a:xfrm>
+          <a:prstGeom prst="rect">
+            <a:avLst/>
+          </a:prstGeom>
+          <a:noFill/>
+        </p:spPr>
+        <p:txBody>
+          <a:bodyPr wrap="none" rtlCol="0">
+            <a:spAutoFit/>
+          </a:bodyPr>
+          <a:lstStyle/>
+          <a:p>
+            <a:r>
+              <a:rPr lang="ru-RU" dirty="0"/>
+              <a:t>Воспроизвести звук столкновения с кактусом</a:t>
+            </a:r>
+          </a:p>
+        </p:txBody>
+      </p:sp>
+      <p:pic>
+        <p:nvPicPr>
+          <p:cNvPr id="15" name="Рисунок 14">
+            <a:extLst>
+              <a:ext uri="{FF2B5EF4-FFF2-40B4-BE49-F238E27FC236}">
+                <a16:creationId xmlns:a16="http://schemas.microsoft.com/office/drawing/2014/main" id="{EA16EDF3-159A-44CF-9F11-59B9E702D79F}"/>
+              </a:ext>
+            </a:extLst>
+          </p:cNvPr>
+          <p:cNvPicPr>
+            <a:picLocks noChangeAspect="1"/>
+          </p:cNvPicPr>
+          <p:nvPr/>
+        </p:nvPicPr>
+        <p:blipFill>
+          <a:blip r:embed="rId4">
+            <a:extLst>
+              <a:ext uri="{28A0092B-C50C-407E-A947-70E740481C1C}">
+                <a14:useLocalDpi xmlns:a14="http://schemas.microsoft.com/office/drawing/2010/main" val="0"/>
+              </a:ext>
+            </a:extLst>
+          </a:blip>
+          <a:stretch>
+            <a:fillRect/>
+          </a:stretch>
+        </p:blipFill>
+        <p:spPr>
+          <a:xfrm>
+            <a:off x="3477909" y="5334398"/>
+            <a:ext cx="2463256" cy="609332"/>
+          </a:xfrm>
+          <a:prstGeom prst="rect">
+            <a:avLst/>
+          </a:prstGeom>
+          <a:ln>
+            <a:noFill/>
+          </a:ln>
+          <a:effectLst>
+            <a:outerShdw blurRad="190500" algn="tl" rotWithShape="0">
+              <a:srgbClr val="000000">
+                <a:alpha val="70000"/>
+              </a:srgbClr>
+            </a:outerShdw>
+          </a:effectLst>
+        </p:spPr>
+      </p:pic>
+      <p:pic>
+        <p:nvPicPr>
+          <p:cNvPr id="16" name="Рисунок 15">
+            <a:extLst>
+              <a:ext uri="{FF2B5EF4-FFF2-40B4-BE49-F238E27FC236}">
+                <a16:creationId xmlns:a16="http://schemas.microsoft.com/office/drawing/2014/main" id="{C209275E-7AA9-4174-8A34-8AFC0FC07227}"/>
+              </a:ext>
+            </a:extLst>
+          </p:cNvPr>
+          <p:cNvPicPr>
+            <a:picLocks noChangeAspect="1"/>
+          </p:cNvPicPr>
+          <p:nvPr/>
+        </p:nvPicPr>
+        <p:blipFill>
+          <a:blip r:embed="rId5">
+            <a:extLst>
+              <a:ext uri="{28A0092B-C50C-407E-A947-70E740481C1C}">
+                <a14:useLocalDpi xmlns:a14="http://schemas.microsoft.com/office/drawing/2010/main" val="0"/>
+              </a:ext>
+            </a:extLst>
+          </a:blip>
+          <a:stretch>
+            <a:fillRect/>
+          </a:stretch>
+        </p:blipFill>
+        <p:spPr>
+          <a:xfrm>
+            <a:off x="3546145" y="3671254"/>
+            <a:ext cx="2228279" cy="551206"/>
+          </a:xfrm>
+          <a:prstGeom prst="rect">
+            <a:avLst/>
+          </a:prstGeom>
+          <a:ln>
+            <a:noFill/>
+          </a:ln>
+          <a:effectLst>
+            <a:outerShdw blurRad="190500" algn="tl" rotWithShape="0">
+              <a:srgbClr val="000000">
+                <a:alpha val="70000"/>
+              </a:srgbClr>
+            </a:outerShdw>
+          </a:effectLst>
+        </p:spPr>
+      </p:pic>
+      <p:cxnSp>
+        <p:nvCxnSpPr>
+          <p:cNvPr id="17" name="Прямая со стрелкой 16">
+            <a:extLst>
+              <a:ext uri="{FF2B5EF4-FFF2-40B4-BE49-F238E27FC236}">
+                <a16:creationId xmlns:a16="http://schemas.microsoft.com/office/drawing/2014/main" id="{939164D7-AEAF-407F-9BF3-F21E3C460F5B}"/>
+              </a:ext>
+            </a:extLst>
+          </p:cNvPr>
+          <p:cNvCxnSpPr>
+            <a:cxnSpLocks/>
+          </p:cNvCxnSpPr>
+          <p:nvPr/>
+        </p:nvCxnSpPr>
+        <p:spPr>
+          <a:xfrm>
+            <a:off x="2488898" y="3846419"/>
+            <a:ext cx="840228" cy="0"/>
+          </a:xfrm>
+          <a:prstGeom prst="straightConnector1">
+            <a:avLst/>
+          </a:prstGeom>
+          <a:ln>
+            <a:tailEnd type="triangle"/>
+          </a:ln>
+        </p:spPr>
+        <p:style>
+          <a:lnRef idx="3">
+            <a:schemeClr val="dk1"/>
+          </a:lnRef>
+          <a:fillRef idx="0">
+            <a:schemeClr val="dk1"/>
+          </a:fillRef>
+          <a:effectRef idx="2">
+            <a:schemeClr val="dk1"/>
+          </a:effectRef>
+          <a:fontRef idx="minor">
+            <a:schemeClr val="tx1"/>
+          </a:fontRef>
+        </p:style>
+      </p:cxnSp>
+      <p:sp>
+        <p:nvSpPr>
+          <p:cNvPr id="20" name="TextBox 19">
+            <a:extLst>
+              <a:ext uri="{FF2B5EF4-FFF2-40B4-BE49-F238E27FC236}">
+                <a16:creationId xmlns:a16="http://schemas.microsoft.com/office/drawing/2014/main" id="{8D001579-B6F3-42E9-8793-C397ADF4A0A0}"/>
+              </a:ext>
+            </a:extLst>
+          </p:cNvPr>
+          <p:cNvSpPr txBox="1"/>
+          <p:nvPr/>
+        </p:nvSpPr>
+        <p:spPr>
+          <a:xfrm>
+            <a:off x="6096000" y="3671254"/>
+            <a:ext cx="5155579" cy="646331"/>
+          </a:xfrm>
+          <a:prstGeom prst="rect">
+            <a:avLst/>
+          </a:prstGeom>
+          <a:noFill/>
+        </p:spPr>
+        <p:txBody>
+          <a:bodyPr wrap="none" rtlCol="0">
+            <a:spAutoFit/>
+          </a:bodyPr>
+          <a:lstStyle/>
+          <a:p>
+            <a:r>
+              <a:rPr lang="ru-RU" dirty="0"/>
+              <a:t>Воспроизвести звук столкновения с травой</a:t>
+            </a:r>
+          </a:p>
+          <a:p>
+            <a:r>
+              <a:rPr lang="ru-RU" dirty="0"/>
+              <a:t>Остановить звук машины</a:t>
+            </a:r>
+          </a:p>
+        </p:txBody>
+      </p:sp>
+      <p:sp>
+        <p:nvSpPr>
+          <p:cNvPr id="27" name="TextBox 26">
+            <a:extLst>
+              <a:ext uri="{FF2B5EF4-FFF2-40B4-BE49-F238E27FC236}">
+                <a16:creationId xmlns:a16="http://schemas.microsoft.com/office/drawing/2014/main" id="{19426BFF-0D52-4BF6-9E53-1EE858074969}"/>
+              </a:ext>
+            </a:extLst>
+          </p:cNvPr>
+          <p:cNvSpPr txBox="1"/>
+          <p:nvPr/>
+        </p:nvSpPr>
+        <p:spPr>
+          <a:xfrm>
+            <a:off x="6169847" y="5334398"/>
+            <a:ext cx="4729180" cy="646331"/>
+          </a:xfrm>
+          <a:prstGeom prst="rect">
+            <a:avLst/>
+          </a:prstGeom>
+          <a:noFill/>
+        </p:spPr>
+        <p:txBody>
+          <a:bodyPr wrap="none" rtlCol="0">
+            <a:spAutoFit/>
+          </a:bodyPr>
+          <a:lstStyle/>
+          <a:p>
+            <a:r>
+              <a:rPr lang="ru-RU" dirty="0"/>
+              <a:t>Воспроизвести звук машины</a:t>
+            </a:r>
+          </a:p>
+          <a:p>
+            <a:r>
+              <a:rPr lang="ru-RU" dirty="0"/>
+              <a:t>Остановить звук столкновения с травой</a:t>
+            </a:r>
+          </a:p>
+        </p:txBody>
+      </p:sp>
+    </p:spTree>
+    <p:extLst>
+      <p:ext uri="{BB962C8B-B14F-4D97-AF65-F5344CB8AC3E}">
+        <p14:creationId xmlns:p14="http://schemas.microsoft.com/office/powerpoint/2010/main" val="683567671"/>
       </p:ext>
     </p:extLst>
   </p:cSld>

--- a/Unity/Lesson4/Operation.pptx
+++ b/Unity/Lesson4/Operation.pptx
@@ -221,7 +221,7 @@
             <a:pPr rtl="0"/>
             <a:fld id="{6B5C320A-F5C8-4FD6-86FF-35D2EBF085B6}" type="datetime1">
               <a:rPr lang="ru-RU" smtClean="0"/>
-              <a:t>28.09.2020</a:t>
+              <a:t>29.09.2020</a:t>
             </a:fld>
             <a:endParaRPr lang="en-US" dirty="0"/>
           </a:p>
@@ -391,7 +391,7 @@
             <a:pPr rtl="0"/>
             <a:fld id="{15C702C7-E599-40D9-B30E-0392896973B5}" type="datetime1">
               <a:rPr lang="ru-RU" smtClean="0"/>
-              <a:t>28.09.2020</a:t>
+              <a:t>29.09.2020</a:t>
             </a:fld>
             <a:endParaRPr lang="en-US"/>
           </a:p>
@@ -1136,7 +1136,7 @@
             <a:pPr rtl="0"/>
             <a:fld id="{6506E9A3-1561-45B7-908B-DACC52528ABB}" type="datetime1">
               <a:rPr lang="ru-RU" smtClean="0"/>
-              <a:t>28.09.2020</a:t>
+              <a:t>29.09.2020</a:t>
             </a:fld>
             <a:endParaRPr lang="en-US" dirty="0"/>
           </a:p>
@@ -1342,7 +1342,7 @@
             <a:pPr rtl="0"/>
             <a:fld id="{3E92B999-6CB2-48D4-8AF6-3D1A5D13436B}" type="datetime1">
               <a:rPr lang="ru-RU" smtClean="0"/>
-              <a:t>28.09.2020</a:t>
+              <a:t>29.09.2020</a:t>
             </a:fld>
             <a:endParaRPr lang="en-US"/>
           </a:p>
@@ -1526,7 +1526,7 @@
             <a:pPr rtl="0"/>
             <a:fld id="{B52C98DB-1092-48C4-AD4E-BD3E9D2E2345}" type="datetime1">
               <a:rPr lang="ru-RU" smtClean="0"/>
-              <a:t>28.09.2020</a:t>
+              <a:t>29.09.2020</a:t>
             </a:fld>
             <a:endParaRPr lang="en-US"/>
           </a:p>
@@ -1700,7 +1700,7 @@
             <a:pPr rtl="0"/>
             <a:fld id="{629C2F20-7994-4D1E-A01C-96ECBA4612EB}" type="datetime1">
               <a:rPr lang="ru-RU" smtClean="0"/>
-              <a:t>28.09.2020</a:t>
+              <a:t>29.09.2020</a:t>
             </a:fld>
             <a:endParaRPr lang="en-US"/>
           </a:p>
@@ -2303,7 +2303,7 @@
             <a:pPr rtl="0"/>
             <a:fld id="{7B2CE4EA-3B49-4A00-ADF3-7C7272A626C1}" type="datetime1">
               <a:rPr lang="ru-RU" smtClean="0"/>
-              <a:t>28.09.2020</a:t>
+              <a:t>29.09.2020</a:t>
             </a:fld>
             <a:endParaRPr lang="en-US" dirty="0"/>
           </a:p>
@@ -2627,7 +2627,7 @@
             <a:pPr rtl="0"/>
             <a:fld id="{9A16848F-27AD-43B9-904C-1CF05D24EB3C}" type="datetime1">
               <a:rPr lang="ru-RU" smtClean="0"/>
-              <a:t>28.09.2020</a:t>
+              <a:t>29.09.2020</a:t>
             </a:fld>
             <a:endParaRPr lang="en-US"/>
           </a:p>
@@ -3068,7 +3068,7 @@
             <a:pPr rtl="0"/>
             <a:fld id="{23090412-2DE5-405A-816E-F08FB54EB168}" type="datetime1">
               <a:rPr lang="ru-RU" smtClean="0"/>
-              <a:t>28.09.2020</a:t>
+              <a:t>29.09.2020</a:t>
             </a:fld>
             <a:endParaRPr lang="en-US"/>
           </a:p>
@@ -3190,7 +3190,7 @@
             <a:pPr rtl="0"/>
             <a:fld id="{F4C2D7CB-4DC1-4BB7-BF00-4C36160857E0}" type="datetime1">
               <a:rPr lang="ru-RU" smtClean="0"/>
-              <a:t>28.09.2020</a:t>
+              <a:t>29.09.2020</a:t>
             </a:fld>
             <a:endParaRPr lang="en-US"/>
           </a:p>
@@ -3288,7 +3288,7 @@
             <a:pPr rtl="0"/>
             <a:fld id="{4060D38F-E364-4ED4-9BF4-D7F00FFBE76A}" type="datetime1">
               <a:rPr lang="ru-RU" smtClean="0"/>
-              <a:t>28.09.2020</a:t>
+              <a:t>29.09.2020</a:t>
             </a:fld>
             <a:endParaRPr lang="en-US"/>
           </a:p>
@@ -3709,7 +3709,7 @@
             <a:pPr rtl="0"/>
             <a:fld id="{F183FEFD-AB08-4CB5-AE4D-2F6B12D8E3B0}" type="datetime1">
               <a:rPr lang="ru-RU" smtClean="0"/>
-              <a:t>28.09.2020</a:t>
+              <a:t>29.09.2020</a:t>
             </a:fld>
             <a:endParaRPr lang="en-US"/>
           </a:p>
@@ -3974,7 +3974,7 @@
             <a:pPr rtl="0"/>
             <a:fld id="{EBEA1583-5CEF-4E36-A7FC-D34B7E954D76}" type="datetime1">
               <a:rPr lang="ru-RU" smtClean="0"/>
-              <a:t>28.09.2020</a:t>
+              <a:t>29.09.2020</a:t>
             </a:fld>
             <a:endParaRPr lang="en-US" dirty="0"/>
           </a:p>
@@ -4494,7 +4494,7 @@
             <a:pPr rtl="0"/>
             <a:fld id="{1068A786-B8BF-4988-ACBA-DD9B5BC8D522}" type="datetime1">
               <a:rPr lang="ru-RU" smtClean="0"/>
-              <a:t>28.09.2020</a:t>
+              <a:t>29.09.2020</a:t>
             </a:fld>
             <a:endParaRPr lang="en-US" dirty="0"/>
           </a:p>
@@ -6256,7 +6256,7 @@
         <p:spPr>
           <a:xfrm>
             <a:off x="1949564" y="1720963"/>
-            <a:ext cx="8661345" cy="2677656"/>
+            <a:ext cx="8661345" cy="3108543"/>
           </a:xfrm>
           <a:prstGeom prst="rect">
             <a:avLst/>
@@ -6333,7 +6333,43 @@
           <a:p>
             <a:r>
               <a:rPr lang="en-US" sz="2800" dirty="0"/>
-              <a:t>else{</a:t>
+              <a:t>if(</a:t>
+            </a:r>
+            <a:r>
+              <a:rPr lang="en-US" sz="2800" dirty="0" err="1">
+                <a:solidFill>
+                  <a:srgbClr val="00B0F0"/>
+                </a:solidFill>
+              </a:rPr>
+              <a:t>collision.gameObject.CompareTag</a:t>
+            </a:r>
+            <a:r>
+              <a:rPr lang="en-US" sz="2800" dirty="0">
+                <a:solidFill>
+                  <a:srgbClr val="00B0F0"/>
+                </a:solidFill>
+              </a:rPr>
+              <a:t>(“</a:t>
+            </a:r>
+            <a:r>
+              <a:rPr lang="en-US" sz="2800" dirty="0" err="1">
+                <a:solidFill>
+                  <a:srgbClr val="00B0F0"/>
+                </a:solidFill>
+              </a:rPr>
+              <a:t>Stoun</a:t>
+            </a:r>
+            <a:r>
+              <a:rPr lang="en-US" sz="2800" dirty="0">
+                <a:solidFill>
+                  <a:srgbClr val="00B0F0"/>
+                </a:solidFill>
+              </a:rPr>
+              <a:t>")</a:t>
+            </a:r>
+            <a:r>
+              <a:rPr lang="en-US" sz="2800" dirty="0"/>
+              <a:t>){</a:t>
             </a:r>
           </a:p>
           <a:p>
@@ -6359,6 +6395,9 @@
               <a:rPr lang="en-US" sz="2800" dirty="0"/>
               <a:t>}</a:t>
             </a:r>
+          </a:p>
+          <a:p>
+            <a:endParaRPr lang="en-US" sz="2800" dirty="0"/>
           </a:p>
         </p:txBody>
       </p:sp>
